--- a/plots/all_drafts.pptx
+++ b/plots/all_drafts.pptx
@@ -12,7 +12,6 @@
     <p:sldId id="261" r:id="rId6"/>
     <p:sldId id="262" r:id="rId7"/>
     <p:sldId id="263" r:id="rId8"/>
-    <p:sldId id="264" r:id="rId9"/>
   </p:sldIdLst>
   <p:sldSz cx="12192000" cy="6858000"/>
   <p:notesSz cx="6858000" cy="9144000"/>
@@ -3356,10 +3355,10 @@
       </p:grpSpPr>
       <p:pic>
         <p:nvPicPr>
-          <p:cNvPr id="3" name="图片 2">
-            <a:extLst>
-              <a:ext uri="{FF2B5EF4-FFF2-40B4-BE49-F238E27FC236}">
-                <a16:creationId xmlns:a16="http://schemas.microsoft.com/office/drawing/2014/main" id="{1896A880-44B5-D0F8-3AAC-286939A8C636}"/>
+          <p:cNvPr id="6" name="图片 5">
+            <a:extLst>
+              <a:ext uri="{FF2B5EF4-FFF2-40B4-BE49-F238E27FC236}">
+                <a16:creationId xmlns:a16="http://schemas.microsoft.com/office/drawing/2014/main" id="{1410AD40-C22E-A7A8-F0D0-2A4A6A797E16}"/>
               </a:ext>
             </a:extLst>
           </p:cNvPr>
@@ -3382,8 +3381,8 @@
         </p:blipFill>
         <p:spPr>
           <a:xfrm>
-            <a:off x="949481" y="0"/>
-            <a:ext cx="10293037" cy="6858000"/>
+            <a:off x="952501" y="1"/>
+            <a:ext cx="10286997" cy="6857999"/>
           </a:xfrm>
           <a:prstGeom prst="rect">
             <a:avLst/>
@@ -3392,7 +3391,7 @@
       </p:pic>
       <p:cxnSp>
         <p:nvCxnSpPr>
-          <p:cNvPr id="4" name="直接箭头连接符 3">
+          <p:cNvPr id="7" name="直接箭头连接符 6">
             <a:extLst>
               <a:ext uri="{FF2B5EF4-FFF2-40B4-BE49-F238E27FC236}">
                 <a16:creationId xmlns:a16="http://schemas.microsoft.com/office/drawing/2014/main" id="{DD984783-8B46-3C7D-25B1-5FAF344D60EE}"/>
@@ -3438,7 +3437,7 @@
       </p:cxnSp>
       <p:sp>
         <p:nvSpPr>
-          <p:cNvPr id="5" name="矩形: 圆角 4">
+          <p:cNvPr id="8" name="矩形: 圆角 7">
             <a:extLst>
               <a:ext uri="{FF2B5EF4-FFF2-40B4-BE49-F238E27FC236}">
                 <a16:creationId xmlns:a16="http://schemas.microsoft.com/office/drawing/2014/main" id="{BB452E1D-E401-B64F-2B2A-F0A25EAF9BC6}"/>
@@ -3571,7 +3570,7 @@
       </p:sp>
       <p:cxnSp>
         <p:nvCxnSpPr>
-          <p:cNvPr id="9" name="直接箭头连接符 8">
+          <p:cNvPr id="10" name="直接箭头连接符 9">
             <a:extLst>
               <a:ext uri="{FF2B5EF4-FFF2-40B4-BE49-F238E27FC236}">
                 <a16:creationId xmlns:a16="http://schemas.microsoft.com/office/drawing/2014/main" id="{4A4F710E-F0A5-1F22-DE5C-45800FAEE9FB}"/>
@@ -3580,7 +3579,7 @@
           </p:cNvPr>
           <p:cNvCxnSpPr>
             <a:cxnSpLocks/>
-            <a:stCxn id="5" idx="0"/>
+            <a:stCxn id="8" idx="0"/>
           </p:cNvCxnSpPr>
           <p:nvPr/>
         </p:nvCxnSpPr>
@@ -3616,7 +3615,7 @@
       </p:cxnSp>
       <p:cxnSp>
         <p:nvCxnSpPr>
-          <p:cNvPr id="12" name="直接箭头连接符 11">
+          <p:cNvPr id="11" name="直接箭头连接符 10">
             <a:extLst>
               <a:ext uri="{FF2B5EF4-FFF2-40B4-BE49-F238E27FC236}">
                 <a16:creationId xmlns:a16="http://schemas.microsoft.com/office/drawing/2014/main" id="{88E65B56-CF62-D925-2DD2-DD3325899E3D}"/>
@@ -3662,7 +3661,7 @@
       </p:cxnSp>
       <p:sp>
         <p:nvSpPr>
-          <p:cNvPr id="15" name="矩形: 圆角 14">
+          <p:cNvPr id="13" name="矩形: 圆角 12">
             <a:extLst>
               <a:ext uri="{FF2B5EF4-FFF2-40B4-BE49-F238E27FC236}">
                 <a16:creationId xmlns:a16="http://schemas.microsoft.com/office/drawing/2014/main" id="{C68B8BEF-8C02-7F2B-8AEF-BD3895FFCB63}"/>
@@ -3745,7 +3744,7 @@
       </p:sp>
       <p:cxnSp>
         <p:nvCxnSpPr>
-          <p:cNvPr id="17" name="直接箭头连接符 16">
+          <p:cNvPr id="14" name="直接箭头连接符 13">
             <a:extLst>
               <a:ext uri="{FF2B5EF4-FFF2-40B4-BE49-F238E27FC236}">
                 <a16:creationId xmlns:a16="http://schemas.microsoft.com/office/drawing/2014/main" id="{E9479988-FC86-A415-24BE-99058F1BF585}"/>
@@ -3754,7 +3753,7 @@
           </p:cNvPr>
           <p:cNvCxnSpPr>
             <a:cxnSpLocks/>
-            <a:stCxn id="15" idx="0"/>
+            <a:stCxn id="13" idx="0"/>
           </p:cNvCxnSpPr>
           <p:nvPr/>
         </p:nvCxnSpPr>
@@ -3790,7 +3789,7 @@
       </p:cxnSp>
       <p:cxnSp>
         <p:nvCxnSpPr>
-          <p:cNvPr id="18" name="直接箭头连接符 17">
+          <p:cNvPr id="16" name="直接箭头连接符 15">
             <a:extLst>
               <a:ext uri="{FF2B5EF4-FFF2-40B4-BE49-F238E27FC236}">
                 <a16:creationId xmlns:a16="http://schemas.microsoft.com/office/drawing/2014/main" id="{555B693D-523D-CB02-EE44-4486E868D67D}"/>
@@ -3866,10 +3865,10 @@
       </p:grpSpPr>
       <p:pic>
         <p:nvPicPr>
-          <p:cNvPr id="7" name="图片 6">
-            <a:extLst>
-              <a:ext uri="{FF2B5EF4-FFF2-40B4-BE49-F238E27FC236}">
-                <a16:creationId xmlns:a16="http://schemas.microsoft.com/office/drawing/2014/main" id="{5AEB4048-B8BD-548C-5ED8-575550C276BC}"/>
+          <p:cNvPr id="3" name="图片 2">
+            <a:extLst>
+              <a:ext uri="{FF2B5EF4-FFF2-40B4-BE49-F238E27FC236}">
+                <a16:creationId xmlns:a16="http://schemas.microsoft.com/office/drawing/2014/main" id="{3E7EAE30-617A-2289-D495-11BAB5DE3318}"/>
               </a:ext>
             </a:extLst>
           </p:cNvPr>
@@ -3892,8 +3891,8 @@
         </p:blipFill>
         <p:spPr>
           <a:xfrm>
-            <a:off x="381001" y="-4777"/>
-            <a:ext cx="11437960" cy="6862777"/>
+            <a:off x="951907" y="0"/>
+            <a:ext cx="10288185" cy="6854765"/>
           </a:xfrm>
           <a:prstGeom prst="rect">
             <a:avLst/>
@@ -3902,7 +3901,7 @@
       </p:pic>
       <p:sp>
         <p:nvSpPr>
-          <p:cNvPr id="8" name="矩形: 圆角 7">
+          <p:cNvPr id="4" name="矩形: 圆角 3">
             <a:extLst>
               <a:ext uri="{FF2B5EF4-FFF2-40B4-BE49-F238E27FC236}">
                 <a16:creationId xmlns:a16="http://schemas.microsoft.com/office/drawing/2014/main" id="{3634421D-09DB-775E-B3C9-A65172C4C675}"/>
@@ -3985,7 +3984,7 @@
       </p:sp>
       <p:cxnSp>
         <p:nvCxnSpPr>
-          <p:cNvPr id="9" name="直接箭头连接符 8">
+          <p:cNvPr id="5" name="直接箭头连接符 4">
             <a:extLst>
               <a:ext uri="{FF2B5EF4-FFF2-40B4-BE49-F238E27FC236}">
                 <a16:creationId xmlns:a16="http://schemas.microsoft.com/office/drawing/2014/main" id="{C42F5BE2-2604-A410-110C-108635EA90D3}"/>
@@ -4029,7 +4028,7 @@
       </p:cxnSp>
       <p:cxnSp>
         <p:nvCxnSpPr>
-          <p:cNvPr id="13" name="直接箭头连接符 12">
+          <p:cNvPr id="6" name="直接箭头连接符 5">
             <a:extLst>
               <a:ext uri="{FF2B5EF4-FFF2-40B4-BE49-F238E27FC236}">
                 <a16:creationId xmlns:a16="http://schemas.microsoft.com/office/drawing/2014/main" id="{B05B362F-6B78-1805-A6C1-22FE0BFD1FDC}"/>
@@ -4075,7 +4074,7 @@
       </p:cxnSp>
       <p:sp>
         <p:nvSpPr>
-          <p:cNvPr id="18" name="矩形: 圆角 17">
+          <p:cNvPr id="10" name="矩形: 圆角 9">
             <a:extLst>
               <a:ext uri="{FF2B5EF4-FFF2-40B4-BE49-F238E27FC236}">
                 <a16:creationId xmlns:a16="http://schemas.microsoft.com/office/drawing/2014/main" id="{F6AAD9A4-B80C-EA42-1F08-5393785A8E8C}"/>
@@ -4158,7 +4157,7 @@
       </p:sp>
       <p:cxnSp>
         <p:nvCxnSpPr>
-          <p:cNvPr id="19" name="直接箭头连接符 18">
+          <p:cNvPr id="11" name="直接箭头连接符 10">
             <a:extLst>
               <a:ext uri="{FF2B5EF4-FFF2-40B4-BE49-F238E27FC236}">
                 <a16:creationId xmlns:a16="http://schemas.microsoft.com/office/drawing/2014/main" id="{F68991BE-C32F-BB7A-A618-C329410C6EEB}"/>
@@ -4204,7 +4203,7 @@
       </p:cxnSp>
       <p:cxnSp>
         <p:nvCxnSpPr>
-          <p:cNvPr id="22" name="直接箭头连接符 21">
+          <p:cNvPr id="12" name="直接箭头连接符 11">
             <a:extLst>
               <a:ext uri="{FF2B5EF4-FFF2-40B4-BE49-F238E27FC236}">
                 <a16:creationId xmlns:a16="http://schemas.microsoft.com/office/drawing/2014/main" id="{9F095785-1E3A-93A7-4E5F-75C81FA51245}"/>
@@ -4278,10 +4277,10 @@
       </p:grpSpPr>
       <p:pic>
         <p:nvPicPr>
-          <p:cNvPr id="6" name="图片 5">
-            <a:extLst>
-              <a:ext uri="{FF2B5EF4-FFF2-40B4-BE49-F238E27FC236}">
-                <a16:creationId xmlns:a16="http://schemas.microsoft.com/office/drawing/2014/main" id="{DEABB820-DCEF-4530-F49E-60DEB3F86021}"/>
+          <p:cNvPr id="3" name="图片 2">
+            <a:extLst>
+              <a:ext uri="{FF2B5EF4-FFF2-40B4-BE49-F238E27FC236}">
+                <a16:creationId xmlns:a16="http://schemas.microsoft.com/office/drawing/2014/main" id="{9B848B4F-E212-993D-D468-9AA0BEEB91C6}"/>
               </a:ext>
             </a:extLst>
           </p:cNvPr>
@@ -4304,8 +4303,8 @@
         </p:blipFill>
         <p:spPr>
           <a:xfrm>
-            <a:off x="944820" y="-6211"/>
-            <a:ext cx="10302359" cy="6864211"/>
+            <a:off x="950688" y="0"/>
+            <a:ext cx="10290624" cy="6858000"/>
           </a:xfrm>
           <a:prstGeom prst="rect">
             <a:avLst/>
@@ -4344,10 +4343,10 @@
       </p:grpSpPr>
       <p:pic>
         <p:nvPicPr>
-          <p:cNvPr id="5" name="图片 4">
-            <a:extLst>
-              <a:ext uri="{FF2B5EF4-FFF2-40B4-BE49-F238E27FC236}">
-                <a16:creationId xmlns:a16="http://schemas.microsoft.com/office/drawing/2014/main" id="{C3DFD036-CB14-E298-8859-21EC499F4F93}"/>
+          <p:cNvPr id="3" name="图片 2">
+            <a:extLst>
+              <a:ext uri="{FF2B5EF4-FFF2-40B4-BE49-F238E27FC236}">
+                <a16:creationId xmlns:a16="http://schemas.microsoft.com/office/drawing/2014/main" id="{0DE470AA-F49C-FD3D-008A-4D9B83663356}"/>
               </a:ext>
             </a:extLst>
           </p:cNvPr>
@@ -4370,8 +4369,8 @@
         </p:blipFill>
         <p:spPr>
           <a:xfrm>
-            <a:off x="380999" y="0"/>
-            <a:ext cx="11429999" cy="6858000"/>
+            <a:off x="906217" y="0"/>
+            <a:ext cx="10379566" cy="6858000"/>
           </a:xfrm>
           <a:prstGeom prst="rect">
             <a:avLst/>
@@ -4408,56 +4407,42 @@
           <a:chExt cx="0" cy="0"/>
         </a:xfrm>
       </p:grpSpPr>
-      <p:sp>
-        <p:nvSpPr>
-          <p:cNvPr id="2" name="标题 1">
-            <a:extLst>
-              <a:ext uri="{FF2B5EF4-FFF2-40B4-BE49-F238E27FC236}">
-                <a16:creationId xmlns:a16="http://schemas.microsoft.com/office/drawing/2014/main" id="{8BF6AF21-CD7A-7D79-A86A-5D6A49C4893A}"/>
-              </a:ext>
-            </a:extLst>
-          </p:cNvPr>
-          <p:cNvSpPr>
-            <a:spLocks noGrp="1"/>
-          </p:cNvSpPr>
-          <p:nvPr>
-            <p:ph type="title"/>
-          </p:nvPr>
-        </p:nvSpPr>
-        <p:spPr/>
-        <p:txBody>
-          <a:bodyPr/>
-          <a:lstStyle/>
-          <a:p>
-            <a:endParaRPr lang="en-US"/>
-          </a:p>
-        </p:txBody>
-      </p:sp>
-      <p:sp>
-        <p:nvSpPr>
-          <p:cNvPr id="3" name="内容占位符 2">
-            <a:extLst>
-              <a:ext uri="{FF2B5EF4-FFF2-40B4-BE49-F238E27FC236}">
-                <a16:creationId xmlns:a16="http://schemas.microsoft.com/office/drawing/2014/main" id="{15F9B719-2CA0-D021-DE0B-C33B3E2ABBF7}"/>
-              </a:ext>
-            </a:extLst>
-          </p:cNvPr>
-          <p:cNvSpPr>
-            <a:spLocks noGrp="1"/>
-          </p:cNvSpPr>
-          <p:nvPr>
-            <p:ph idx="1"/>
-          </p:nvPr>
-        </p:nvSpPr>
-        <p:spPr/>
-        <p:txBody>
-          <a:bodyPr/>
-          <a:lstStyle/>
-          <a:p>
-            <a:endParaRPr lang="en-US"/>
-          </a:p>
-        </p:txBody>
-      </p:sp>
+      <p:pic>
+        <p:nvPicPr>
+          <p:cNvPr id="5" name="图片 4">
+            <a:extLst>
+              <a:ext uri="{FF2B5EF4-FFF2-40B4-BE49-F238E27FC236}">
+                <a16:creationId xmlns:a16="http://schemas.microsoft.com/office/drawing/2014/main" id="{5AB12BF7-A287-2287-D7E4-C76C3B97598F}"/>
+              </a:ext>
+            </a:extLst>
+          </p:cNvPr>
+          <p:cNvPicPr>
+            <a:picLocks noChangeAspect="1"/>
+          </p:cNvPicPr>
+          <p:nvPr/>
+        </p:nvPicPr>
+        <p:blipFill>
+          <a:blip r:embed="rId2">
+            <a:extLst>
+              <a:ext uri="{28A0092B-C50C-407E-A947-70E740481C1C}">
+                <a14:useLocalDpi xmlns:a14="http://schemas.microsoft.com/office/drawing/2010/main" val="0"/>
+              </a:ext>
+            </a:extLst>
+          </a:blip>
+          <a:stretch>
+            <a:fillRect/>
+          </a:stretch>
+        </p:blipFill>
+        <p:spPr>
+          <a:xfrm>
+            <a:off x="944820" y="-6210"/>
+            <a:ext cx="10302360" cy="6864210"/>
+          </a:xfrm>
+          <a:prstGeom prst="rect">
+            <a:avLst/>
+          </a:prstGeom>
+        </p:spPr>
+      </p:pic>
     </p:spTree>
     <p:extLst>
       <p:ext uri="{BB962C8B-B14F-4D97-AF65-F5344CB8AC3E}">
@@ -4488,56 +4473,42 @@
           <a:chExt cx="0" cy="0"/>
         </a:xfrm>
       </p:grpSpPr>
-      <p:sp>
-        <p:nvSpPr>
-          <p:cNvPr id="2" name="标题 1">
-            <a:extLst>
-              <a:ext uri="{FF2B5EF4-FFF2-40B4-BE49-F238E27FC236}">
-                <a16:creationId xmlns:a16="http://schemas.microsoft.com/office/drawing/2014/main" id="{52BE9713-C5FF-5F98-7911-D16724705ED2}"/>
-              </a:ext>
-            </a:extLst>
-          </p:cNvPr>
-          <p:cNvSpPr>
-            <a:spLocks noGrp="1"/>
-          </p:cNvSpPr>
-          <p:nvPr>
-            <p:ph type="title"/>
-          </p:nvPr>
-        </p:nvSpPr>
-        <p:spPr/>
-        <p:txBody>
-          <a:bodyPr/>
-          <a:lstStyle/>
-          <a:p>
-            <a:endParaRPr lang="en-US"/>
-          </a:p>
-        </p:txBody>
-      </p:sp>
-      <p:sp>
-        <p:nvSpPr>
-          <p:cNvPr id="3" name="内容占位符 2">
-            <a:extLst>
-              <a:ext uri="{FF2B5EF4-FFF2-40B4-BE49-F238E27FC236}">
-                <a16:creationId xmlns:a16="http://schemas.microsoft.com/office/drawing/2014/main" id="{B4432F88-DABC-552A-C347-8FE7CD7F7F80}"/>
-              </a:ext>
-            </a:extLst>
-          </p:cNvPr>
-          <p:cNvSpPr>
-            <a:spLocks noGrp="1"/>
-          </p:cNvSpPr>
-          <p:nvPr>
-            <p:ph idx="1"/>
-          </p:nvPr>
-        </p:nvSpPr>
-        <p:spPr/>
-        <p:txBody>
-          <a:bodyPr/>
-          <a:lstStyle/>
-          <a:p>
-            <a:endParaRPr lang="en-US"/>
-          </a:p>
-        </p:txBody>
-      </p:sp>
+      <p:pic>
+        <p:nvPicPr>
+          <p:cNvPr id="5" name="图片 4">
+            <a:extLst>
+              <a:ext uri="{FF2B5EF4-FFF2-40B4-BE49-F238E27FC236}">
+                <a16:creationId xmlns:a16="http://schemas.microsoft.com/office/drawing/2014/main" id="{B508BF21-1B1A-EBA7-910D-4E0ACB867650}"/>
+              </a:ext>
+            </a:extLst>
+          </p:cNvPr>
+          <p:cNvPicPr>
+            <a:picLocks noChangeAspect="1"/>
+          </p:cNvPicPr>
+          <p:nvPr/>
+        </p:nvPicPr>
+        <p:blipFill>
+          <a:blip r:embed="rId2">
+            <a:extLst>
+              <a:ext uri="{28A0092B-C50C-407E-A947-70E740481C1C}">
+                <a14:useLocalDpi xmlns:a14="http://schemas.microsoft.com/office/drawing/2010/main" val="0"/>
+              </a:ext>
+            </a:extLst>
+          </a:blip>
+          <a:stretch>
+            <a:fillRect/>
+          </a:stretch>
+        </p:blipFill>
+        <p:spPr>
+          <a:xfrm>
+            <a:off x="952769" y="0"/>
+            <a:ext cx="10286461" cy="6857641"/>
+          </a:xfrm>
+          <a:prstGeom prst="rect">
+            <a:avLst/>
+          </a:prstGeom>
+        </p:spPr>
+      </p:pic>
     </p:spTree>
     <p:extLst>
       <p:ext uri="{BB962C8B-B14F-4D97-AF65-F5344CB8AC3E}">
@@ -4608,36 +4579,6 @@
     <p:extLst>
       <p:ext uri="{BB962C8B-B14F-4D97-AF65-F5344CB8AC3E}">
         <p14:creationId xmlns:p14="http://schemas.microsoft.com/office/powerpoint/2010/main" val="3162193794"/>
-      </p:ext>
-    </p:extLst>
-  </p:cSld>
-  <p:clrMapOvr>
-    <a:masterClrMapping/>
-  </p:clrMapOvr>
-</p:sld>
-</file>
-
-<file path=ppt/slides/slide8.xml><?xml version="1.0" encoding="utf-8"?>
-<p:sld xmlns:a="http://schemas.openxmlformats.org/drawingml/2006/main" xmlns:r="http://schemas.openxmlformats.org/officeDocument/2006/relationships" xmlns:p="http://schemas.openxmlformats.org/presentationml/2006/main">
-  <p:cSld>
-    <p:spTree>
-      <p:nvGrpSpPr>
-        <p:cNvPr id="1" name=""/>
-        <p:cNvGrpSpPr/>
-        <p:nvPr/>
-      </p:nvGrpSpPr>
-      <p:grpSpPr>
-        <a:xfrm>
-          <a:off x="0" y="0"/>
-          <a:ext cx="0" cy="0"/>
-          <a:chOff x="0" y="0"/>
-          <a:chExt cx="0" cy="0"/>
-        </a:xfrm>
-      </p:grpSpPr>
-    </p:spTree>
-    <p:extLst>
-      <p:ext uri="{BB962C8B-B14F-4D97-AF65-F5344CB8AC3E}">
-        <p14:creationId xmlns:p14="http://schemas.microsoft.com/office/powerpoint/2010/main" val="254025292"/>
       </p:ext>
     </p:extLst>
   </p:cSld>

--- a/plots/all_drafts.pptx
+++ b/plots/all_drafts.pptx
@@ -267,7 +267,7 @@
           <a:p>
             <a:fld id="{51CF15EB-6B7F-432E-A9B6-E64541448182}" type="datetimeFigureOut">
               <a:rPr lang="en-US" smtClean="0"/>
-              <a:t>3/16/2024</a:t>
+              <a:t>3/17/2024</a:t>
             </a:fld>
             <a:endParaRPr lang="en-US"/>
           </a:p>
@@ -467,7 +467,7 @@
           <a:p>
             <a:fld id="{51CF15EB-6B7F-432E-A9B6-E64541448182}" type="datetimeFigureOut">
               <a:rPr lang="en-US" smtClean="0"/>
-              <a:t>3/16/2024</a:t>
+              <a:t>3/17/2024</a:t>
             </a:fld>
             <a:endParaRPr lang="en-US"/>
           </a:p>
@@ -677,7 +677,7 @@
           <a:p>
             <a:fld id="{51CF15EB-6B7F-432E-A9B6-E64541448182}" type="datetimeFigureOut">
               <a:rPr lang="en-US" smtClean="0"/>
-              <a:t>3/16/2024</a:t>
+              <a:t>3/17/2024</a:t>
             </a:fld>
             <a:endParaRPr lang="en-US"/>
           </a:p>
@@ -877,7 +877,7 @@
           <a:p>
             <a:fld id="{51CF15EB-6B7F-432E-A9B6-E64541448182}" type="datetimeFigureOut">
               <a:rPr lang="en-US" smtClean="0"/>
-              <a:t>3/16/2024</a:t>
+              <a:t>3/17/2024</a:t>
             </a:fld>
             <a:endParaRPr lang="en-US"/>
           </a:p>
@@ -1153,7 +1153,7 @@
           <a:p>
             <a:fld id="{51CF15EB-6B7F-432E-A9B6-E64541448182}" type="datetimeFigureOut">
               <a:rPr lang="en-US" smtClean="0"/>
-              <a:t>3/16/2024</a:t>
+              <a:t>3/17/2024</a:t>
             </a:fld>
             <a:endParaRPr lang="en-US"/>
           </a:p>
@@ -1421,7 +1421,7 @@
           <a:p>
             <a:fld id="{51CF15EB-6B7F-432E-A9B6-E64541448182}" type="datetimeFigureOut">
               <a:rPr lang="en-US" smtClean="0"/>
-              <a:t>3/16/2024</a:t>
+              <a:t>3/17/2024</a:t>
             </a:fld>
             <a:endParaRPr lang="en-US"/>
           </a:p>
@@ -1836,7 +1836,7 @@
           <a:p>
             <a:fld id="{51CF15EB-6B7F-432E-A9B6-E64541448182}" type="datetimeFigureOut">
               <a:rPr lang="en-US" smtClean="0"/>
-              <a:t>3/16/2024</a:t>
+              <a:t>3/17/2024</a:t>
             </a:fld>
             <a:endParaRPr lang="en-US"/>
           </a:p>
@@ -1978,7 +1978,7 @@
           <a:p>
             <a:fld id="{51CF15EB-6B7F-432E-A9B6-E64541448182}" type="datetimeFigureOut">
               <a:rPr lang="en-US" smtClean="0"/>
-              <a:t>3/16/2024</a:t>
+              <a:t>3/17/2024</a:t>
             </a:fld>
             <a:endParaRPr lang="en-US"/>
           </a:p>
@@ -2091,7 +2091,7 @@
           <a:p>
             <a:fld id="{51CF15EB-6B7F-432E-A9B6-E64541448182}" type="datetimeFigureOut">
               <a:rPr lang="en-US" smtClean="0"/>
-              <a:t>3/16/2024</a:t>
+              <a:t>3/17/2024</a:t>
             </a:fld>
             <a:endParaRPr lang="en-US"/>
           </a:p>
@@ -2404,7 +2404,7 @@
           <a:p>
             <a:fld id="{51CF15EB-6B7F-432E-A9B6-E64541448182}" type="datetimeFigureOut">
               <a:rPr lang="en-US" smtClean="0"/>
-              <a:t>3/16/2024</a:t>
+              <a:t>3/17/2024</a:t>
             </a:fld>
             <a:endParaRPr lang="en-US"/>
           </a:p>
@@ -2693,7 +2693,7 @@
           <a:p>
             <a:fld id="{51CF15EB-6B7F-432E-A9B6-E64541448182}" type="datetimeFigureOut">
               <a:rPr lang="en-US" smtClean="0"/>
-              <a:t>3/16/2024</a:t>
+              <a:t>3/17/2024</a:t>
             </a:fld>
             <a:endParaRPr lang="en-US"/>
           </a:p>
@@ -2936,7 +2936,7 @@
           <a:p>
             <a:fld id="{51CF15EB-6B7F-432E-A9B6-E64541448182}" type="datetimeFigureOut">
               <a:rPr lang="en-US" smtClean="0"/>
-              <a:t>3/16/2024</a:t>
+              <a:t>3/17/2024</a:t>
             </a:fld>
             <a:endParaRPr lang="en-US"/>
           </a:p>
@@ -3435,9 +3435,189 @@
           </a:fontRef>
         </p:style>
       </p:cxnSp>
-      <p:sp>
-        <p:nvSpPr>
-          <p:cNvPr id="8" name="矩形: 圆角 7">
+      <p:cxnSp>
+        <p:nvCxnSpPr>
+          <p:cNvPr id="10" name="直接箭头连接符 9">
+            <a:extLst>
+              <a:ext uri="{FF2B5EF4-FFF2-40B4-BE49-F238E27FC236}">
+                <a16:creationId xmlns:a16="http://schemas.microsoft.com/office/drawing/2014/main" id="{4A4F710E-F0A5-1F22-DE5C-45800FAEE9FB}"/>
+              </a:ext>
+            </a:extLst>
+          </p:cNvPr>
+          <p:cNvCxnSpPr>
+            <a:cxnSpLocks/>
+          </p:cNvCxnSpPr>
+          <p:nvPr/>
+        </p:nvCxnSpPr>
+        <p:spPr>
+          <a:xfrm flipH="1" flipV="1">
+            <a:off x="8467859" y="1571223"/>
+            <a:ext cx="381362" cy="978866"/>
+          </a:xfrm>
+          <a:prstGeom prst="straightConnector1">
+            <a:avLst/>
+          </a:prstGeom>
+          <a:ln w="38100">
+            <a:solidFill>
+              <a:srgbClr val="7030A0"/>
+            </a:solidFill>
+            <a:tailEnd type="triangle"/>
+          </a:ln>
+        </p:spPr>
+        <p:style>
+          <a:lnRef idx="1">
+            <a:schemeClr val="accent1"/>
+          </a:lnRef>
+          <a:fillRef idx="0">
+            <a:schemeClr val="accent1"/>
+          </a:fillRef>
+          <a:effectRef idx="0">
+            <a:schemeClr val="accent1"/>
+          </a:effectRef>
+          <a:fontRef idx="minor">
+            <a:schemeClr val="tx1"/>
+          </a:fontRef>
+        </p:style>
+      </p:cxnSp>
+      <p:cxnSp>
+        <p:nvCxnSpPr>
+          <p:cNvPr id="11" name="直接箭头连接符 10">
+            <a:extLst>
+              <a:ext uri="{FF2B5EF4-FFF2-40B4-BE49-F238E27FC236}">
+                <a16:creationId xmlns:a16="http://schemas.microsoft.com/office/drawing/2014/main" id="{88E65B56-CF62-D925-2DD2-DD3325899E3D}"/>
+              </a:ext>
+            </a:extLst>
+          </p:cNvPr>
+          <p:cNvCxnSpPr>
+            <a:cxnSpLocks/>
+          </p:cNvCxnSpPr>
+          <p:nvPr/>
+        </p:nvCxnSpPr>
+        <p:spPr>
+          <a:xfrm flipH="1" flipV="1">
+            <a:off x="7352215" y="1215804"/>
+            <a:ext cx="793672" cy="1437244"/>
+          </a:xfrm>
+          <a:prstGeom prst="straightConnector1">
+            <a:avLst/>
+          </a:prstGeom>
+          <a:ln w="38100">
+            <a:solidFill>
+              <a:schemeClr val="accent6">
+                <a:lumMod val="50000"/>
+              </a:schemeClr>
+            </a:solidFill>
+            <a:tailEnd type="triangle"/>
+          </a:ln>
+        </p:spPr>
+        <p:style>
+          <a:lnRef idx="1">
+            <a:schemeClr val="accent1"/>
+          </a:lnRef>
+          <a:fillRef idx="0">
+            <a:schemeClr val="accent1"/>
+          </a:fillRef>
+          <a:effectRef idx="0">
+            <a:schemeClr val="accent1"/>
+          </a:effectRef>
+          <a:fontRef idx="minor">
+            <a:schemeClr val="tx1"/>
+          </a:fontRef>
+        </p:style>
+      </p:cxnSp>
+      <p:cxnSp>
+        <p:nvCxnSpPr>
+          <p:cNvPr id="14" name="直接箭头连接符 13">
+            <a:extLst>
+              <a:ext uri="{FF2B5EF4-FFF2-40B4-BE49-F238E27FC236}">
+                <a16:creationId xmlns:a16="http://schemas.microsoft.com/office/drawing/2014/main" id="{E9479988-FC86-A415-24BE-99058F1BF585}"/>
+              </a:ext>
+            </a:extLst>
+          </p:cNvPr>
+          <p:cNvCxnSpPr>
+            <a:cxnSpLocks/>
+          </p:cNvCxnSpPr>
+          <p:nvPr/>
+        </p:nvCxnSpPr>
+        <p:spPr>
+          <a:xfrm flipH="1" flipV="1">
+            <a:off x="4423893" y="2054180"/>
+            <a:ext cx="321034" cy="1419557"/>
+          </a:xfrm>
+          <a:prstGeom prst="straightConnector1">
+            <a:avLst/>
+          </a:prstGeom>
+          <a:ln w="38100">
+            <a:solidFill>
+              <a:srgbClr val="7030A0"/>
+            </a:solidFill>
+            <a:tailEnd type="triangle"/>
+          </a:ln>
+        </p:spPr>
+        <p:style>
+          <a:lnRef idx="1">
+            <a:schemeClr val="accent1"/>
+          </a:lnRef>
+          <a:fillRef idx="0">
+            <a:schemeClr val="accent1"/>
+          </a:fillRef>
+          <a:effectRef idx="0">
+            <a:schemeClr val="accent1"/>
+          </a:effectRef>
+          <a:fontRef idx="minor">
+            <a:schemeClr val="tx1"/>
+          </a:fontRef>
+        </p:style>
+      </p:cxnSp>
+      <p:cxnSp>
+        <p:nvCxnSpPr>
+          <p:cNvPr id="16" name="直接箭头连接符 15">
+            <a:extLst>
+              <a:ext uri="{FF2B5EF4-FFF2-40B4-BE49-F238E27FC236}">
+                <a16:creationId xmlns:a16="http://schemas.microsoft.com/office/drawing/2014/main" id="{555B693D-523D-CB02-EE44-4486E868D67D}"/>
+              </a:ext>
+            </a:extLst>
+          </p:cNvPr>
+          <p:cNvCxnSpPr>
+            <a:cxnSpLocks/>
+          </p:cNvCxnSpPr>
+          <p:nvPr/>
+        </p:nvCxnSpPr>
+        <p:spPr>
+          <a:xfrm flipH="1" flipV="1">
+            <a:off x="3645277" y="2089374"/>
+            <a:ext cx="411323" cy="1842575"/>
+          </a:xfrm>
+          <a:prstGeom prst="straightConnector1">
+            <a:avLst/>
+          </a:prstGeom>
+          <a:ln w="38100">
+            <a:solidFill>
+              <a:schemeClr val="accent6">
+                <a:lumMod val="50000"/>
+              </a:schemeClr>
+            </a:solidFill>
+            <a:tailEnd type="triangle"/>
+          </a:ln>
+        </p:spPr>
+        <p:style>
+          <a:lnRef idx="1">
+            <a:schemeClr val="accent1"/>
+          </a:lnRef>
+          <a:fillRef idx="0">
+            <a:schemeClr val="accent1"/>
+          </a:fillRef>
+          <a:effectRef idx="0">
+            <a:schemeClr val="accent1"/>
+          </a:effectRef>
+          <a:fontRef idx="minor">
+            <a:schemeClr val="tx1"/>
+          </a:fontRef>
+        </p:style>
+      </p:cxnSp>
+      <p:sp>
+        <p:nvSpPr>
+          <p:cNvPr id="2" name="矩形: 圆角 1">
             <a:extLst>
               <a:ext uri="{FF2B5EF4-FFF2-40B4-BE49-F238E27FC236}">
                 <a16:creationId xmlns:a16="http://schemas.microsoft.com/office/drawing/2014/main" id="{BB452E1D-E401-B64F-2B2A-F0A25EAF9BC6}"/>
@@ -3449,8 +3629,8 @@
         </p:nvSpPr>
         <p:spPr>
           <a:xfrm>
-            <a:off x="6710077" y="2487593"/>
-            <a:ext cx="4124569" cy="2144332"/>
+            <a:off x="6867335" y="1951293"/>
+            <a:ext cx="4124569" cy="2170018"/>
           </a:xfrm>
           <a:prstGeom prst="roundRect">
             <a:avLst>
@@ -3500,7 +3680,7 @@
               <a:t>[3,5,5,4,4,2] saves </a:t>
             </a:r>
             <a:r>
-              <a:rPr lang="en-US" sz="2300" b="1" u="sng" dirty="0">
+              <a:rPr lang="en-US" sz="2400" b="1" u="sng" dirty="0">
                 <a:solidFill>
                   <a:schemeClr val="tx1"/>
                 </a:solidFill>
@@ -3526,7 +3706,7 @@
               <a:t>[3,3,10,4,4,2] saves </a:t>
             </a:r>
             <a:r>
-              <a:rPr lang="en-US" sz="2300" b="1" u="sng" dirty="0">
+              <a:rPr lang="en-US" sz="2400" b="1" u="sng" dirty="0">
                 <a:solidFill>
                   <a:schemeClr val="tx1"/>
                 </a:solidFill>
@@ -3542,7 +3722,7 @@
               <a:t> cost than the singular dot, while achieving </a:t>
             </a:r>
             <a:r>
-              <a:rPr lang="en-US" sz="2300" b="1" u="sng" dirty="0">
+              <a:rPr lang="en-US" sz="2400" b="1" u="sng" dirty="0">
                 <a:solidFill>
                   <a:schemeClr val="tx1"/>
                 </a:solidFill>
@@ -3550,7 +3730,7 @@
               <a:t>2%</a:t>
             </a:r>
             <a:r>
-              <a:rPr lang="en-US" sz="2300" b="1" dirty="0">
+              <a:rPr lang="en-US" sz="2400" b="1" dirty="0">
                 <a:solidFill>
                   <a:schemeClr val="tx1"/>
                 </a:solidFill>
@@ -3568,100 +3748,9 @@
           </a:p>
         </p:txBody>
       </p:sp>
-      <p:cxnSp>
-        <p:nvCxnSpPr>
-          <p:cNvPr id="10" name="直接箭头连接符 9">
-            <a:extLst>
-              <a:ext uri="{FF2B5EF4-FFF2-40B4-BE49-F238E27FC236}">
-                <a16:creationId xmlns:a16="http://schemas.microsoft.com/office/drawing/2014/main" id="{4A4F710E-F0A5-1F22-DE5C-45800FAEE9FB}"/>
-              </a:ext>
-            </a:extLst>
-          </p:cNvPr>
-          <p:cNvCxnSpPr>
-            <a:cxnSpLocks/>
-            <a:stCxn id="8" idx="0"/>
-          </p:cNvCxnSpPr>
-          <p:nvPr/>
-        </p:nvCxnSpPr>
-        <p:spPr>
-          <a:xfrm flipH="1" flipV="1">
-            <a:off x="8475260" y="1583140"/>
-            <a:ext cx="297102" cy="904453"/>
-          </a:xfrm>
-          <a:prstGeom prst="straightConnector1">
-            <a:avLst/>
-          </a:prstGeom>
-          <a:ln w="38100">
-            <a:solidFill>
-              <a:srgbClr val="7030A0"/>
-            </a:solidFill>
-            <a:tailEnd type="triangle"/>
-          </a:ln>
-        </p:spPr>
-        <p:style>
-          <a:lnRef idx="1">
-            <a:schemeClr val="accent1"/>
-          </a:lnRef>
-          <a:fillRef idx="0">
-            <a:schemeClr val="accent1"/>
-          </a:fillRef>
-          <a:effectRef idx="0">
-            <a:schemeClr val="accent1"/>
-          </a:effectRef>
-          <a:fontRef idx="minor">
-            <a:schemeClr val="tx1"/>
-          </a:fontRef>
-        </p:style>
-      </p:cxnSp>
-      <p:cxnSp>
-        <p:nvCxnSpPr>
-          <p:cNvPr id="11" name="直接箭头连接符 10">
-            <a:extLst>
-              <a:ext uri="{FF2B5EF4-FFF2-40B4-BE49-F238E27FC236}">
-                <a16:creationId xmlns:a16="http://schemas.microsoft.com/office/drawing/2014/main" id="{88E65B56-CF62-D925-2DD2-DD3325899E3D}"/>
-              </a:ext>
-            </a:extLst>
-          </p:cNvPr>
-          <p:cNvCxnSpPr>
-            <a:cxnSpLocks/>
-          </p:cNvCxnSpPr>
-          <p:nvPr/>
-        </p:nvCxnSpPr>
-        <p:spPr>
-          <a:xfrm flipH="1" flipV="1">
-            <a:off x="7352215" y="1215804"/>
-            <a:ext cx="681689" cy="1271789"/>
-          </a:xfrm>
-          <a:prstGeom prst="straightConnector1">
-            <a:avLst/>
-          </a:prstGeom>
-          <a:ln w="38100">
-            <a:solidFill>
-              <a:schemeClr val="accent6">
-                <a:lumMod val="50000"/>
-              </a:schemeClr>
-            </a:solidFill>
-            <a:tailEnd type="triangle"/>
-          </a:ln>
-        </p:spPr>
-        <p:style>
-          <a:lnRef idx="1">
-            <a:schemeClr val="accent1"/>
-          </a:lnRef>
-          <a:fillRef idx="0">
-            <a:schemeClr val="accent1"/>
-          </a:fillRef>
-          <a:effectRef idx="0">
-            <a:schemeClr val="accent1"/>
-          </a:effectRef>
-          <a:fontRef idx="minor">
-            <a:schemeClr val="tx1"/>
-          </a:fontRef>
-        </p:style>
-      </p:cxnSp>
-      <p:sp>
-        <p:nvSpPr>
-          <p:cNvPr id="13" name="矩形: 圆角 12">
+      <p:sp>
+        <p:nvSpPr>
+          <p:cNvPr id="12" name="矩形: 圆角 11">
             <a:extLst>
               <a:ext uri="{FF2B5EF4-FFF2-40B4-BE49-F238E27FC236}">
                 <a16:creationId xmlns:a16="http://schemas.microsoft.com/office/drawing/2014/main" id="{C68B8BEF-8C02-7F2B-8AEF-BD3895FFCB63}"/>
@@ -3673,8 +3762,8 @@
         </p:nvSpPr>
         <p:spPr>
           <a:xfrm>
-            <a:off x="3444669" y="3931949"/>
-            <a:ext cx="2898115" cy="1696791"/>
+            <a:off x="3419341" y="3358505"/>
+            <a:ext cx="3374265" cy="1419557"/>
           </a:xfrm>
           <a:prstGeom prst="roundRect">
             <a:avLst>
@@ -3724,7 +3813,7 @@
               <a:t>[3,3,3,4,2,2] saves </a:t>
             </a:r>
             <a:r>
-              <a:rPr lang="en-US" sz="2300" b="1" u="sng" dirty="0">
+              <a:rPr lang="en-US" sz="2400" b="1" u="sng" dirty="0">
                 <a:solidFill>
                   <a:schemeClr val="tx1"/>
                 </a:solidFill>
@@ -3744,55 +3833,10 @@
       </p:sp>
       <p:cxnSp>
         <p:nvCxnSpPr>
-          <p:cNvPr id="14" name="直接箭头连接符 13">
-            <a:extLst>
-              <a:ext uri="{FF2B5EF4-FFF2-40B4-BE49-F238E27FC236}">
-                <a16:creationId xmlns:a16="http://schemas.microsoft.com/office/drawing/2014/main" id="{E9479988-FC86-A415-24BE-99058F1BF585}"/>
-              </a:ext>
-            </a:extLst>
-          </p:cNvPr>
-          <p:cNvCxnSpPr>
-            <a:cxnSpLocks/>
-            <a:stCxn id="13" idx="0"/>
-          </p:cNvCxnSpPr>
-          <p:nvPr/>
-        </p:nvCxnSpPr>
-        <p:spPr>
-          <a:xfrm flipH="1" flipV="1">
-            <a:off x="4546448" y="2128906"/>
-            <a:ext cx="347279" cy="1803043"/>
-          </a:xfrm>
-          <a:prstGeom prst="straightConnector1">
-            <a:avLst/>
-          </a:prstGeom>
-          <a:ln w="38100">
-            <a:solidFill>
-              <a:srgbClr val="7030A0"/>
-            </a:solidFill>
-            <a:tailEnd type="triangle"/>
-          </a:ln>
-        </p:spPr>
-        <p:style>
-          <a:lnRef idx="1">
-            <a:schemeClr val="accent1"/>
-          </a:lnRef>
-          <a:fillRef idx="0">
-            <a:schemeClr val="accent1"/>
-          </a:fillRef>
-          <a:effectRef idx="0">
-            <a:schemeClr val="accent1"/>
-          </a:effectRef>
-          <a:fontRef idx="minor">
-            <a:schemeClr val="tx1"/>
-          </a:fontRef>
-        </p:style>
-      </p:cxnSp>
-      <p:cxnSp>
-        <p:nvCxnSpPr>
-          <p:cNvPr id="16" name="直接箭头连接符 15">
-            <a:extLst>
-              <a:ext uri="{FF2B5EF4-FFF2-40B4-BE49-F238E27FC236}">
-                <a16:creationId xmlns:a16="http://schemas.microsoft.com/office/drawing/2014/main" id="{555B693D-523D-CB02-EE44-4486E868D67D}"/>
+          <p:cNvPr id="19" name="直接箭头连接符 18">
+            <a:extLst>
+              <a:ext uri="{FF2B5EF4-FFF2-40B4-BE49-F238E27FC236}">
+                <a16:creationId xmlns:a16="http://schemas.microsoft.com/office/drawing/2014/main" id="{EF290C9B-5609-C147-C88C-BE1841CCA423}"/>
               </a:ext>
             </a:extLst>
           </p:cNvPr>
@@ -3803,8 +3847,8 @@
         </p:nvCxnSpPr>
         <p:spPr>
           <a:xfrm flipH="1" flipV="1">
-            <a:off x="3652215" y="2128906"/>
-            <a:ext cx="361547" cy="1803043"/>
+            <a:off x="2469247" y="3931949"/>
+            <a:ext cx="885758" cy="1206721"/>
           </a:xfrm>
           <a:prstGeom prst="straightConnector1">
             <a:avLst/>
@@ -3833,6 +3877,89 @@
           </a:fontRef>
         </p:style>
       </p:cxnSp>
+      <p:sp>
+        <p:nvSpPr>
+          <p:cNvPr id="22" name="矩形: 圆角 21">
+            <a:extLst>
+              <a:ext uri="{FF2B5EF4-FFF2-40B4-BE49-F238E27FC236}">
+                <a16:creationId xmlns:a16="http://schemas.microsoft.com/office/drawing/2014/main" id="{95AEF666-EDCC-62A0-8BFC-72B8303C74E1}"/>
+              </a:ext>
+            </a:extLst>
+          </p:cNvPr>
+          <p:cNvSpPr/>
+          <p:nvPr/>
+        </p:nvSpPr>
+        <p:spPr>
+          <a:xfrm>
+            <a:off x="3012176" y="4951927"/>
+            <a:ext cx="5049999" cy="972355"/>
+          </a:xfrm>
+          <a:prstGeom prst="roundRect">
+            <a:avLst>
+              <a:gd name="adj" fmla="val 8130"/>
+            </a:avLst>
+          </a:prstGeom>
+          <a:solidFill>
+            <a:schemeClr val="accent6">
+              <a:lumMod val="20000"/>
+              <a:lumOff val="80000"/>
+            </a:schemeClr>
+          </a:solidFill>
+          <a:ln w="19050">
+            <a:solidFill>
+              <a:schemeClr val="accent6">
+                <a:lumMod val="50000"/>
+              </a:schemeClr>
+            </a:solidFill>
+          </a:ln>
+        </p:spPr>
+        <p:style>
+          <a:lnRef idx="2">
+            <a:schemeClr val="accent1">
+              <a:shade val="15000"/>
+            </a:schemeClr>
+          </a:lnRef>
+          <a:fillRef idx="1">
+            <a:schemeClr val="accent1"/>
+          </a:fillRef>
+          <a:effectRef idx="0">
+            <a:schemeClr val="accent1"/>
+          </a:effectRef>
+          <a:fontRef idx="minor">
+            <a:schemeClr val="lt1"/>
+          </a:fontRef>
+        </p:style>
+        <p:txBody>
+          <a:bodyPr rtlCol="0" anchor="ctr"/>
+          <a:lstStyle/>
+          <a:p>
+            <a:r>
+              <a:rPr lang="en-US" sz="2100" dirty="0">
+                <a:solidFill>
+                  <a:schemeClr val="tx1"/>
+                </a:solidFill>
+              </a:rPr>
+              <a:t>[1,0,-1,2,0,0] achieves </a:t>
+            </a:r>
+            <a:r>
+              <a:rPr lang="en-US" sz="2400" b="1" u="sng" dirty="0">
+                <a:solidFill>
+                  <a:schemeClr val="tx1"/>
+                </a:solidFill>
+              </a:rPr>
+              <a:t>2-4%</a:t>
+            </a:r>
+            <a:r>
+              <a:rPr lang="en-US" sz="2100" dirty="0">
+                <a:solidFill>
+                  <a:schemeClr val="tx1"/>
+                </a:solidFill>
+              </a:rPr>
+              <a:t> higher accuracy at the same cost of singular combinations.</a:t>
+            </a:r>
+          </a:p>
+        </p:txBody>
+      </p:sp>
     </p:spTree>
     <p:extLst>
       <p:ext uri="{BB962C8B-B14F-4D97-AF65-F5344CB8AC3E}">
@@ -3899,12 +4026,192 @@
           </a:prstGeom>
         </p:spPr>
       </p:pic>
-      <p:sp>
-        <p:nvSpPr>
-          <p:cNvPr id="4" name="矩形: 圆角 3">
-            <a:extLst>
-              <a:ext uri="{FF2B5EF4-FFF2-40B4-BE49-F238E27FC236}">
-                <a16:creationId xmlns:a16="http://schemas.microsoft.com/office/drawing/2014/main" id="{3634421D-09DB-775E-B3C9-A65172C4C675}"/>
+      <p:cxnSp>
+        <p:nvCxnSpPr>
+          <p:cNvPr id="5" name="直接箭头连接符 4">
+            <a:extLst>
+              <a:ext uri="{FF2B5EF4-FFF2-40B4-BE49-F238E27FC236}">
+                <a16:creationId xmlns:a16="http://schemas.microsoft.com/office/drawing/2014/main" id="{C42F5BE2-2604-A410-110C-108635EA90D3}"/>
+              </a:ext>
+            </a:extLst>
+          </p:cNvPr>
+          <p:cNvCxnSpPr>
+            <a:cxnSpLocks/>
+          </p:cNvCxnSpPr>
+          <p:nvPr/>
+        </p:nvCxnSpPr>
+        <p:spPr>
+          <a:xfrm flipV="1">
+            <a:off x="9573232" y="993787"/>
+            <a:ext cx="1030406" cy="1125941"/>
+          </a:xfrm>
+          <a:prstGeom prst="straightConnector1">
+            <a:avLst/>
+          </a:prstGeom>
+          <a:ln w="38100">
+            <a:solidFill>
+              <a:srgbClr val="7030A0"/>
+            </a:solidFill>
+            <a:tailEnd type="triangle"/>
+          </a:ln>
+        </p:spPr>
+        <p:style>
+          <a:lnRef idx="1">
+            <a:schemeClr val="accent1"/>
+          </a:lnRef>
+          <a:fillRef idx="0">
+            <a:schemeClr val="accent1"/>
+          </a:fillRef>
+          <a:effectRef idx="0">
+            <a:schemeClr val="accent1"/>
+          </a:effectRef>
+          <a:fontRef idx="minor">
+            <a:schemeClr val="tx1"/>
+          </a:fontRef>
+        </p:style>
+      </p:cxnSp>
+      <p:cxnSp>
+        <p:nvCxnSpPr>
+          <p:cNvPr id="6" name="直接箭头连接符 5">
+            <a:extLst>
+              <a:ext uri="{FF2B5EF4-FFF2-40B4-BE49-F238E27FC236}">
+                <a16:creationId xmlns:a16="http://schemas.microsoft.com/office/drawing/2014/main" id="{B05B362F-6B78-1805-A6C1-22FE0BFD1FDC}"/>
+              </a:ext>
+            </a:extLst>
+          </p:cNvPr>
+          <p:cNvCxnSpPr>
+            <a:cxnSpLocks/>
+          </p:cNvCxnSpPr>
+          <p:nvPr/>
+        </p:nvCxnSpPr>
+        <p:spPr>
+          <a:xfrm flipH="1" flipV="1">
+            <a:off x="7519244" y="1041555"/>
+            <a:ext cx="968991" cy="1078173"/>
+          </a:xfrm>
+          <a:prstGeom prst="straightConnector1">
+            <a:avLst/>
+          </a:prstGeom>
+          <a:ln w="38100">
+            <a:solidFill>
+              <a:schemeClr val="accent6">
+                <a:lumMod val="50000"/>
+              </a:schemeClr>
+            </a:solidFill>
+            <a:tailEnd type="triangle"/>
+          </a:ln>
+        </p:spPr>
+        <p:style>
+          <a:lnRef idx="1">
+            <a:schemeClr val="accent1"/>
+          </a:lnRef>
+          <a:fillRef idx="0">
+            <a:schemeClr val="accent1"/>
+          </a:fillRef>
+          <a:effectRef idx="0">
+            <a:schemeClr val="accent1"/>
+          </a:effectRef>
+          <a:fontRef idx="minor">
+            <a:schemeClr val="tx1"/>
+          </a:fontRef>
+        </p:style>
+      </p:cxnSp>
+      <p:cxnSp>
+        <p:nvCxnSpPr>
+          <p:cNvPr id="11" name="直接箭头连接符 10">
+            <a:extLst>
+              <a:ext uri="{FF2B5EF4-FFF2-40B4-BE49-F238E27FC236}">
+                <a16:creationId xmlns:a16="http://schemas.microsoft.com/office/drawing/2014/main" id="{F68991BE-C32F-BB7A-A618-C329410C6EEB}"/>
+              </a:ext>
+            </a:extLst>
+          </p:cNvPr>
+          <p:cNvCxnSpPr>
+            <a:cxnSpLocks/>
+          </p:cNvCxnSpPr>
+          <p:nvPr/>
+        </p:nvCxnSpPr>
+        <p:spPr>
+          <a:xfrm flipH="1" flipV="1">
+            <a:off x="5560790" y="1192425"/>
+            <a:ext cx="305537" cy="2444480"/>
+          </a:xfrm>
+          <a:prstGeom prst="straightConnector1">
+            <a:avLst/>
+          </a:prstGeom>
+          <a:ln w="38100">
+            <a:solidFill>
+              <a:schemeClr val="accent6">
+                <a:lumMod val="50000"/>
+              </a:schemeClr>
+            </a:solidFill>
+            <a:tailEnd type="triangle"/>
+          </a:ln>
+        </p:spPr>
+        <p:style>
+          <a:lnRef idx="1">
+            <a:schemeClr val="accent1"/>
+          </a:lnRef>
+          <a:fillRef idx="0">
+            <a:schemeClr val="accent1"/>
+          </a:fillRef>
+          <a:effectRef idx="0">
+            <a:schemeClr val="accent1"/>
+          </a:effectRef>
+          <a:fontRef idx="minor">
+            <a:schemeClr val="tx1"/>
+          </a:fontRef>
+        </p:style>
+      </p:cxnSp>
+      <p:cxnSp>
+        <p:nvCxnSpPr>
+          <p:cNvPr id="12" name="直接箭头连接符 11">
+            <a:extLst>
+              <a:ext uri="{FF2B5EF4-FFF2-40B4-BE49-F238E27FC236}">
+                <a16:creationId xmlns:a16="http://schemas.microsoft.com/office/drawing/2014/main" id="{9F095785-1E3A-93A7-4E5F-75C81FA51245}"/>
+              </a:ext>
+            </a:extLst>
+          </p:cNvPr>
+          <p:cNvCxnSpPr>
+            <a:cxnSpLocks/>
+          </p:cNvCxnSpPr>
+          <p:nvPr/>
+        </p:nvCxnSpPr>
+        <p:spPr>
+          <a:xfrm flipV="1">
+            <a:off x="6374488" y="1192425"/>
+            <a:ext cx="59759" cy="2444480"/>
+          </a:xfrm>
+          <a:prstGeom prst="straightConnector1">
+            <a:avLst/>
+          </a:prstGeom>
+          <a:ln w="38100">
+            <a:solidFill>
+              <a:srgbClr val="7030A0"/>
+            </a:solidFill>
+            <a:tailEnd type="triangle"/>
+          </a:ln>
+        </p:spPr>
+        <p:style>
+          <a:lnRef idx="1">
+            <a:schemeClr val="accent1"/>
+          </a:lnRef>
+          <a:fillRef idx="0">
+            <a:schemeClr val="accent1"/>
+          </a:fillRef>
+          <a:effectRef idx="0">
+            <a:schemeClr val="accent1"/>
+          </a:effectRef>
+          <a:fontRef idx="minor">
+            <a:schemeClr val="tx1"/>
+          </a:fontRef>
+        </p:style>
+      </p:cxnSp>
+      <p:sp>
+        <p:nvSpPr>
+          <p:cNvPr id="9" name="矩形: 圆角 8">
+            <a:extLst>
+              <a:ext uri="{FF2B5EF4-FFF2-40B4-BE49-F238E27FC236}">
+                <a16:creationId xmlns:a16="http://schemas.microsoft.com/office/drawing/2014/main" id="{F6AAD9A4-B80C-EA42-1F08-5393785A8E8C}"/>
               </a:ext>
             </a:extLst>
           </p:cNvPr>
@@ -3913,7 +4220,7 @@
         </p:nvSpPr>
         <p:spPr>
           <a:xfrm>
-            <a:off x="6528798" y="2306472"/>
+            <a:off x="4657458" y="3253917"/>
             <a:ext cx="4041393" cy="1185866"/>
           </a:xfrm>
           <a:prstGeom prst="roundRect">
@@ -3961,15 +4268,15 @@
                   <a:schemeClr val="tx1"/>
                 </a:solidFill>
               </a:rPr>
-              <a:t>[1,3,10,4,4,2] saves </a:t>
-            </a:r>
-            <a:r>
-              <a:rPr lang="en-US" sz="2300" b="1" u="sng" dirty="0">
+              <a:t>[1,3,5,4,4,4] saves </a:t>
+            </a:r>
+            <a:r>
+              <a:rPr lang="en-US" sz="2400" b="1" u="sng" dirty="0">
                 <a:solidFill>
                   <a:schemeClr val="tx1"/>
                 </a:solidFill>
               </a:rPr>
-              <a:t>38%</a:t>
+              <a:t>22%</a:t>
             </a:r>
             <a:r>
               <a:rPr lang="en-US" sz="2100" dirty="0">
@@ -3977,107 +4284,17 @@
                   <a:schemeClr val="tx1"/>
                 </a:solidFill>
               </a:rPr>
-              <a:t> cost than the singular dot [-1,-1,10,0,0,4], while reaching same accuracy 65%</a:t>
-            </a:r>
-          </a:p>
-        </p:txBody>
-      </p:sp>
-      <p:cxnSp>
-        <p:nvCxnSpPr>
-          <p:cNvPr id="5" name="直接箭头连接符 4">
-            <a:extLst>
-              <a:ext uri="{FF2B5EF4-FFF2-40B4-BE49-F238E27FC236}">
-                <a16:creationId xmlns:a16="http://schemas.microsoft.com/office/drawing/2014/main" id="{C42F5BE2-2604-A410-110C-108635EA90D3}"/>
-              </a:ext>
-            </a:extLst>
-          </p:cNvPr>
-          <p:cNvCxnSpPr>
-            <a:cxnSpLocks/>
-          </p:cNvCxnSpPr>
-          <p:nvPr/>
-        </p:nvCxnSpPr>
-        <p:spPr>
-          <a:xfrm flipV="1">
-            <a:off x="9219063" y="1180531"/>
-            <a:ext cx="1030406" cy="1125941"/>
-          </a:xfrm>
-          <a:prstGeom prst="straightConnector1">
-            <a:avLst/>
-          </a:prstGeom>
-          <a:ln w="38100">
-            <a:solidFill>
-              <a:srgbClr val="7030A0"/>
-            </a:solidFill>
-            <a:tailEnd type="triangle"/>
-          </a:ln>
-        </p:spPr>
-        <p:style>
-          <a:lnRef idx="1">
-            <a:schemeClr val="accent1"/>
-          </a:lnRef>
-          <a:fillRef idx="0">
-            <a:schemeClr val="accent1"/>
-          </a:fillRef>
-          <a:effectRef idx="0">
-            <a:schemeClr val="accent1"/>
-          </a:effectRef>
-          <a:fontRef idx="minor">
-            <a:schemeClr val="tx1"/>
-          </a:fontRef>
-        </p:style>
-      </p:cxnSp>
-      <p:cxnSp>
-        <p:nvCxnSpPr>
-          <p:cNvPr id="6" name="直接箭头连接符 5">
-            <a:extLst>
-              <a:ext uri="{FF2B5EF4-FFF2-40B4-BE49-F238E27FC236}">
-                <a16:creationId xmlns:a16="http://schemas.microsoft.com/office/drawing/2014/main" id="{B05B362F-6B78-1805-A6C1-22FE0BFD1FDC}"/>
-              </a:ext>
-            </a:extLst>
-          </p:cNvPr>
-          <p:cNvCxnSpPr>
-            <a:cxnSpLocks/>
-          </p:cNvCxnSpPr>
-          <p:nvPr/>
-        </p:nvCxnSpPr>
-        <p:spPr>
-          <a:xfrm flipH="1" flipV="1">
-            <a:off x="7165075" y="1228299"/>
-            <a:ext cx="968991" cy="1078173"/>
-          </a:xfrm>
-          <a:prstGeom prst="straightConnector1">
-            <a:avLst/>
-          </a:prstGeom>
-          <a:ln w="38100">
-            <a:solidFill>
-              <a:schemeClr val="accent6">
-                <a:lumMod val="50000"/>
-              </a:schemeClr>
-            </a:solidFill>
-            <a:tailEnd type="triangle"/>
-          </a:ln>
-        </p:spPr>
-        <p:style>
-          <a:lnRef idx="1">
-            <a:schemeClr val="accent1"/>
-          </a:lnRef>
-          <a:fillRef idx="0">
-            <a:schemeClr val="accent1"/>
-          </a:fillRef>
-          <a:effectRef idx="0">
-            <a:schemeClr val="accent1"/>
-          </a:effectRef>
-          <a:fontRef idx="minor">
-            <a:schemeClr val="tx1"/>
-          </a:fontRef>
-        </p:style>
-      </p:cxnSp>
-      <p:sp>
-        <p:nvSpPr>
-          <p:cNvPr id="10" name="矩形: 圆角 9">
-            <a:extLst>
-              <a:ext uri="{FF2B5EF4-FFF2-40B4-BE49-F238E27FC236}">
-                <a16:creationId xmlns:a16="http://schemas.microsoft.com/office/drawing/2014/main" id="{F6AAD9A4-B80C-EA42-1F08-5393785A8E8C}"/>
+              <a:t> cost than the singular dot [-1,-1,5,0,0,4], while reaching same accuracy 63%</a:t>
+            </a:r>
+          </a:p>
+        </p:txBody>
+      </p:sp>
+      <p:sp>
+        <p:nvSpPr>
+          <p:cNvPr id="2" name="矩形: 圆角 1">
+            <a:extLst>
+              <a:ext uri="{FF2B5EF4-FFF2-40B4-BE49-F238E27FC236}">
+                <a16:creationId xmlns:a16="http://schemas.microsoft.com/office/drawing/2014/main" id="{3634421D-09DB-775E-B3C9-A65172C4C675}"/>
               </a:ext>
             </a:extLst>
           </p:cNvPr>
@@ -4086,7 +4303,7 @@
         </p:nvSpPr>
         <p:spPr>
           <a:xfrm>
-            <a:off x="3794697" y="3823649"/>
+            <a:off x="6879130" y="1927649"/>
             <a:ext cx="4041393" cy="1185866"/>
           </a:xfrm>
           <a:prstGeom prst="roundRect">
@@ -4134,15 +4351,15 @@
                   <a:schemeClr val="tx1"/>
                 </a:solidFill>
               </a:rPr>
-              <a:t>[1,3,5,4,4,4] saves </a:t>
-            </a:r>
-            <a:r>
-              <a:rPr lang="en-US" sz="2300" b="1" u="sng" dirty="0">
+              <a:t>[1,3,10,4,4,2] saves </a:t>
+            </a:r>
+            <a:r>
+              <a:rPr lang="en-US" sz="2400" b="1" u="sng" dirty="0">
                 <a:solidFill>
                   <a:schemeClr val="tx1"/>
                 </a:solidFill>
               </a:rPr>
-              <a:t>22%</a:t>
+              <a:t>38%</a:t>
             </a:r>
             <a:r>
               <a:rPr lang="en-US" sz="2100" dirty="0">
@@ -4150,17 +4367,17 @@
                   <a:schemeClr val="tx1"/>
                 </a:solidFill>
               </a:rPr>
-              <a:t> cost than the singular dot [-1,-1,5,0,0,4], while reaching same accuracy 63%</a:t>
+              <a:t> cost than the singular dot [-1,-1,10,0,0,4], while reaching same accuracy 65%</a:t>
             </a:r>
           </a:p>
         </p:txBody>
       </p:sp>
       <p:cxnSp>
         <p:nvCxnSpPr>
-          <p:cNvPr id="11" name="直接箭头连接符 10">
-            <a:extLst>
-              <a:ext uri="{FF2B5EF4-FFF2-40B4-BE49-F238E27FC236}">
-                <a16:creationId xmlns:a16="http://schemas.microsoft.com/office/drawing/2014/main" id="{F68991BE-C32F-BB7A-A618-C329410C6EEB}"/>
+          <p:cNvPr id="8" name="直接箭头连接符 7">
+            <a:extLst>
+              <a:ext uri="{FF2B5EF4-FFF2-40B4-BE49-F238E27FC236}">
+                <a16:creationId xmlns:a16="http://schemas.microsoft.com/office/drawing/2014/main" id="{38DB91BE-2B36-C179-857B-8230BC3BE2B4}"/>
               </a:ext>
             </a:extLst>
           </p:cNvPr>
@@ -4170,9 +4387,9 @@
           <p:nvPr/>
         </p:nvCxnSpPr>
         <p:spPr>
-          <a:xfrm flipV="1">
-            <a:off x="5206621" y="1433015"/>
-            <a:ext cx="177421" cy="2390634"/>
+          <a:xfrm flipH="1" flipV="1">
+            <a:off x="2392854" y="4082603"/>
+            <a:ext cx="1728385" cy="1262129"/>
           </a:xfrm>
           <a:prstGeom prst="straightConnector1">
             <a:avLst/>
@@ -4203,10 +4420,10 @@
       </p:cxnSp>
       <p:cxnSp>
         <p:nvCxnSpPr>
-          <p:cNvPr id="12" name="直接箭头连接符 11">
-            <a:extLst>
-              <a:ext uri="{FF2B5EF4-FFF2-40B4-BE49-F238E27FC236}">
-                <a16:creationId xmlns:a16="http://schemas.microsoft.com/office/drawing/2014/main" id="{9F095785-1E3A-93A7-4E5F-75C81FA51245}"/>
+          <p:cNvPr id="15" name="直接箭头连接符 14">
+            <a:extLst>
+              <a:ext uri="{FF2B5EF4-FFF2-40B4-BE49-F238E27FC236}">
+                <a16:creationId xmlns:a16="http://schemas.microsoft.com/office/drawing/2014/main" id="{0AD54F40-0FDD-9D8A-8383-E849358483A7}"/>
               </a:ext>
             </a:extLst>
           </p:cNvPr>
@@ -4216,16 +4433,18 @@
           <p:nvPr/>
         </p:nvCxnSpPr>
         <p:spPr>
-          <a:xfrm flipV="1">
-            <a:off x="6020319" y="1433015"/>
-            <a:ext cx="187757" cy="2390634"/>
+          <a:xfrm flipH="1" flipV="1">
+            <a:off x="2708268" y="3427382"/>
+            <a:ext cx="1760701" cy="1273407"/>
           </a:xfrm>
           <a:prstGeom prst="straightConnector1">
             <a:avLst/>
           </a:prstGeom>
           <a:ln w="38100">
             <a:solidFill>
-              <a:srgbClr val="7030A0"/>
+              <a:schemeClr val="accent6">
+                <a:lumMod val="50000"/>
+              </a:schemeClr>
             </a:solidFill>
             <a:tailEnd type="triangle"/>
           </a:ln>
@@ -4245,6 +4464,94 @@
           </a:fontRef>
         </p:style>
       </p:cxnSp>
+      <p:sp>
+        <p:nvSpPr>
+          <p:cNvPr id="16" name="矩形: 圆角 15">
+            <a:extLst>
+              <a:ext uri="{FF2B5EF4-FFF2-40B4-BE49-F238E27FC236}">
+                <a16:creationId xmlns:a16="http://schemas.microsoft.com/office/drawing/2014/main" id="{9D5B9957-AEF1-2BD8-013B-D27649649DA8}"/>
+              </a:ext>
+            </a:extLst>
+          </p:cNvPr>
+          <p:cNvSpPr/>
+          <p:nvPr/>
+        </p:nvSpPr>
+        <p:spPr>
+          <a:xfrm>
+            <a:off x="3845630" y="4630891"/>
+            <a:ext cx="4190787" cy="1185866"/>
+          </a:xfrm>
+          <a:prstGeom prst="roundRect">
+            <a:avLst>
+              <a:gd name="adj" fmla="val 8130"/>
+            </a:avLst>
+          </a:prstGeom>
+          <a:solidFill>
+            <a:schemeClr val="accent6">
+              <a:lumMod val="20000"/>
+              <a:lumOff val="80000"/>
+            </a:schemeClr>
+          </a:solidFill>
+          <a:ln w="19050">
+            <a:solidFill>
+              <a:schemeClr val="accent6">
+                <a:lumMod val="50000"/>
+              </a:schemeClr>
+            </a:solidFill>
+          </a:ln>
+        </p:spPr>
+        <p:style>
+          <a:lnRef idx="2">
+            <a:schemeClr val="accent1">
+              <a:shade val="15000"/>
+            </a:schemeClr>
+          </a:lnRef>
+          <a:fillRef idx="1">
+            <a:schemeClr val="accent1"/>
+          </a:fillRef>
+          <a:effectRef idx="0">
+            <a:schemeClr val="accent1"/>
+          </a:effectRef>
+          <a:fontRef idx="minor">
+            <a:schemeClr val="lt1"/>
+          </a:fontRef>
+        </p:style>
+        <p:txBody>
+          <a:bodyPr rtlCol="0" anchor="ctr"/>
+          <a:lstStyle/>
+          <a:p>
+            <a:r>
+              <a:rPr lang="en-US" altLang="zh-CN" sz="2100" dirty="0">
+                <a:solidFill>
+                  <a:schemeClr val="tx1"/>
+                </a:solidFill>
+              </a:rPr>
+              <a:t>Cascading results are </a:t>
+            </a:r>
+            <a:r>
+              <a:rPr lang="en-US" altLang="zh-CN" sz="2400" b="1" u="sng" dirty="0">
+                <a:solidFill>
+                  <a:schemeClr val="tx1"/>
+                </a:solidFill>
+              </a:rPr>
+              <a:t>1-2%</a:t>
+            </a:r>
+            <a:r>
+              <a:rPr lang="en-US" altLang="zh-CN" sz="2100" dirty="0">
+                <a:solidFill>
+                  <a:schemeClr val="tx1"/>
+                </a:solidFill>
+              </a:rPr>
+              <a:t> more accurate than singular combinations at similar costs in lower-budget.</a:t>
+            </a:r>
+            <a:endParaRPr lang="en-US" sz="2100" dirty="0">
+              <a:solidFill>
+                <a:schemeClr val="tx1"/>
+              </a:solidFill>
+            </a:endParaRPr>
+          </a:p>
+        </p:txBody>
+      </p:sp>
     </p:spTree>
     <p:extLst>
       <p:ext uri="{BB962C8B-B14F-4D97-AF65-F5344CB8AC3E}">
@@ -4311,6 +4618,165 @@
           </a:prstGeom>
         </p:spPr>
       </p:pic>
+      <p:cxnSp>
+        <p:nvCxnSpPr>
+          <p:cNvPr id="4" name="直接箭头连接符 3">
+            <a:extLst>
+              <a:ext uri="{FF2B5EF4-FFF2-40B4-BE49-F238E27FC236}">
+                <a16:creationId xmlns:a16="http://schemas.microsoft.com/office/drawing/2014/main" id="{782A6587-B866-A2BD-7F44-AFF96CF7AA5D}"/>
+              </a:ext>
+            </a:extLst>
+          </p:cNvPr>
+          <p:cNvCxnSpPr>
+            <a:cxnSpLocks/>
+          </p:cNvCxnSpPr>
+          <p:nvPr/>
+        </p:nvCxnSpPr>
+        <p:spPr>
+          <a:xfrm flipH="1" flipV="1">
+            <a:off x="4250028" y="1841679"/>
+            <a:ext cx="2240924" cy="1474631"/>
+          </a:xfrm>
+          <a:prstGeom prst="straightConnector1">
+            <a:avLst/>
+          </a:prstGeom>
+          <a:ln w="38100">
+            <a:solidFill>
+              <a:schemeClr val="accent6">
+                <a:lumMod val="50000"/>
+              </a:schemeClr>
+            </a:solidFill>
+            <a:tailEnd type="triangle"/>
+          </a:ln>
+        </p:spPr>
+        <p:style>
+          <a:lnRef idx="1">
+            <a:schemeClr val="accent1"/>
+          </a:lnRef>
+          <a:fillRef idx="0">
+            <a:schemeClr val="accent1"/>
+          </a:fillRef>
+          <a:effectRef idx="0">
+            <a:schemeClr val="accent1"/>
+          </a:effectRef>
+          <a:fontRef idx="minor">
+            <a:schemeClr val="tx1"/>
+          </a:fontRef>
+        </p:style>
+      </p:cxnSp>
+      <p:cxnSp>
+        <p:nvCxnSpPr>
+          <p:cNvPr id="9" name="直接箭头连接符 8">
+            <a:extLst>
+              <a:ext uri="{FF2B5EF4-FFF2-40B4-BE49-F238E27FC236}">
+                <a16:creationId xmlns:a16="http://schemas.microsoft.com/office/drawing/2014/main" id="{6C18405F-77EB-B6C9-D889-91628DC76292}"/>
+              </a:ext>
+            </a:extLst>
+          </p:cNvPr>
+          <p:cNvCxnSpPr>
+            <a:cxnSpLocks/>
+          </p:cNvCxnSpPr>
+          <p:nvPr/>
+        </p:nvCxnSpPr>
+        <p:spPr>
+          <a:xfrm flipH="1" flipV="1">
+            <a:off x="2807594" y="2607972"/>
+            <a:ext cx="3365680" cy="1021724"/>
+          </a:xfrm>
+          <a:prstGeom prst="straightConnector1">
+            <a:avLst/>
+          </a:prstGeom>
+          <a:ln w="38100">
+            <a:solidFill>
+              <a:schemeClr val="accent6">
+                <a:lumMod val="50000"/>
+              </a:schemeClr>
+            </a:solidFill>
+            <a:tailEnd type="triangle"/>
+          </a:ln>
+        </p:spPr>
+        <p:style>
+          <a:lnRef idx="1">
+            <a:schemeClr val="accent1"/>
+          </a:lnRef>
+          <a:fillRef idx="0">
+            <a:schemeClr val="accent1"/>
+          </a:fillRef>
+          <a:effectRef idx="0">
+            <a:schemeClr val="accent1"/>
+          </a:effectRef>
+          <a:fontRef idx="minor">
+            <a:schemeClr val="tx1"/>
+          </a:fontRef>
+        </p:style>
+      </p:cxnSp>
+      <p:sp>
+        <p:nvSpPr>
+          <p:cNvPr id="11" name="矩形: 圆角 10">
+            <a:extLst>
+              <a:ext uri="{FF2B5EF4-FFF2-40B4-BE49-F238E27FC236}">
+                <a16:creationId xmlns:a16="http://schemas.microsoft.com/office/drawing/2014/main" id="{C020F529-A97E-66E8-7804-2739292D9A24}"/>
+              </a:ext>
+            </a:extLst>
+          </p:cNvPr>
+          <p:cNvSpPr/>
+          <p:nvPr/>
+        </p:nvSpPr>
+        <p:spPr>
+          <a:xfrm>
+            <a:off x="6096000" y="3265195"/>
+            <a:ext cx="3952069" cy="1551503"/>
+          </a:xfrm>
+          <a:prstGeom prst="roundRect">
+            <a:avLst>
+              <a:gd name="adj" fmla="val 8130"/>
+            </a:avLst>
+          </a:prstGeom>
+          <a:solidFill>
+            <a:schemeClr val="accent6">
+              <a:lumMod val="20000"/>
+              <a:lumOff val="80000"/>
+            </a:schemeClr>
+          </a:solidFill>
+          <a:ln w="19050">
+            <a:solidFill>
+              <a:schemeClr val="accent6">
+                <a:lumMod val="50000"/>
+              </a:schemeClr>
+            </a:solidFill>
+          </a:ln>
+        </p:spPr>
+        <p:style>
+          <a:lnRef idx="2">
+            <a:schemeClr val="accent1">
+              <a:shade val="15000"/>
+            </a:schemeClr>
+          </a:lnRef>
+          <a:fillRef idx="1">
+            <a:schemeClr val="accent1"/>
+          </a:fillRef>
+          <a:effectRef idx="0">
+            <a:schemeClr val="accent1"/>
+          </a:effectRef>
+          <a:fontRef idx="minor">
+            <a:schemeClr val="lt1"/>
+          </a:fontRef>
+        </p:style>
+        <p:txBody>
+          <a:bodyPr rtlCol="0" anchor="ctr"/>
+          <a:lstStyle/>
+          <a:p>
+            <a:r>
+              <a:rPr lang="en-US" sz="2100" dirty="0">
+                <a:solidFill>
+                  <a:schemeClr val="tx1"/>
+                </a:solidFill>
+              </a:rPr>
+              <a:t>Cascading scheme picks equally optimal combinations in the low-cost range, and offers pareto options for higher-cost range.</a:t>
+            </a:r>
+          </a:p>
+        </p:txBody>
+      </p:sp>
     </p:spTree>
     <p:extLst>
       <p:ext uri="{BB962C8B-B14F-4D97-AF65-F5344CB8AC3E}">
@@ -4377,6 +4843,478 @@
           </a:prstGeom>
         </p:spPr>
       </p:pic>
+      <p:cxnSp>
+        <p:nvCxnSpPr>
+          <p:cNvPr id="4" name="直接箭头连接符 3">
+            <a:extLst>
+              <a:ext uri="{FF2B5EF4-FFF2-40B4-BE49-F238E27FC236}">
+                <a16:creationId xmlns:a16="http://schemas.microsoft.com/office/drawing/2014/main" id="{6F1F6FCE-0725-DC2E-6EA2-A3700F9A3993}"/>
+              </a:ext>
+            </a:extLst>
+          </p:cNvPr>
+          <p:cNvCxnSpPr>
+            <a:cxnSpLocks/>
+          </p:cNvCxnSpPr>
+          <p:nvPr/>
+        </p:nvCxnSpPr>
+        <p:spPr>
+          <a:xfrm flipH="1" flipV="1">
+            <a:off x="8532254" y="1017431"/>
+            <a:ext cx="682582" cy="1037422"/>
+          </a:xfrm>
+          <a:prstGeom prst="straightConnector1">
+            <a:avLst/>
+          </a:prstGeom>
+          <a:ln w="38100">
+            <a:solidFill>
+              <a:srgbClr val="7030A0"/>
+            </a:solidFill>
+            <a:tailEnd type="triangle"/>
+          </a:ln>
+        </p:spPr>
+        <p:style>
+          <a:lnRef idx="1">
+            <a:schemeClr val="accent1"/>
+          </a:lnRef>
+          <a:fillRef idx="0">
+            <a:schemeClr val="accent1"/>
+          </a:fillRef>
+          <a:effectRef idx="0">
+            <a:schemeClr val="accent1"/>
+          </a:effectRef>
+          <a:fontRef idx="minor">
+            <a:schemeClr val="tx1"/>
+          </a:fontRef>
+        </p:style>
+      </p:cxnSp>
+      <p:cxnSp>
+        <p:nvCxnSpPr>
+          <p:cNvPr id="5" name="直接箭头连接符 4">
+            <a:extLst>
+              <a:ext uri="{FF2B5EF4-FFF2-40B4-BE49-F238E27FC236}">
+                <a16:creationId xmlns:a16="http://schemas.microsoft.com/office/drawing/2014/main" id="{16EFA26C-F4A9-8953-9642-FF6D78DF59A8}"/>
+              </a:ext>
+            </a:extLst>
+          </p:cNvPr>
+          <p:cNvCxnSpPr>
+            <a:cxnSpLocks/>
+          </p:cNvCxnSpPr>
+          <p:nvPr/>
+        </p:nvCxnSpPr>
+        <p:spPr>
+          <a:xfrm flipH="1" flipV="1">
+            <a:off x="7849673" y="940158"/>
+            <a:ext cx="727657" cy="1178417"/>
+          </a:xfrm>
+          <a:prstGeom prst="straightConnector1">
+            <a:avLst/>
+          </a:prstGeom>
+          <a:ln w="38100">
+            <a:solidFill>
+              <a:schemeClr val="accent6">
+                <a:lumMod val="50000"/>
+              </a:schemeClr>
+            </a:solidFill>
+            <a:tailEnd type="triangle"/>
+          </a:ln>
+        </p:spPr>
+        <p:style>
+          <a:lnRef idx="1">
+            <a:schemeClr val="accent1"/>
+          </a:lnRef>
+          <a:fillRef idx="0">
+            <a:schemeClr val="accent1"/>
+          </a:fillRef>
+          <a:effectRef idx="0">
+            <a:schemeClr val="accent1"/>
+          </a:effectRef>
+          <a:fontRef idx="minor">
+            <a:schemeClr val="tx1"/>
+          </a:fontRef>
+        </p:style>
+      </p:cxnSp>
+      <p:sp>
+        <p:nvSpPr>
+          <p:cNvPr id="9" name="矩形: 圆角 8">
+            <a:extLst>
+              <a:ext uri="{FF2B5EF4-FFF2-40B4-BE49-F238E27FC236}">
+                <a16:creationId xmlns:a16="http://schemas.microsoft.com/office/drawing/2014/main" id="{4551A3FA-8032-D3F5-7493-46EBF5F87509}"/>
+              </a:ext>
+            </a:extLst>
+          </p:cNvPr>
+          <p:cNvSpPr/>
+          <p:nvPr/>
+        </p:nvSpPr>
+        <p:spPr>
+          <a:xfrm>
+            <a:off x="7518045" y="1610531"/>
+            <a:ext cx="3393582" cy="1374147"/>
+          </a:xfrm>
+          <a:prstGeom prst="roundRect">
+            <a:avLst>
+              <a:gd name="adj" fmla="val 8130"/>
+            </a:avLst>
+          </a:prstGeom>
+          <a:solidFill>
+            <a:schemeClr val="accent6">
+              <a:lumMod val="20000"/>
+              <a:lumOff val="80000"/>
+            </a:schemeClr>
+          </a:solidFill>
+          <a:ln w="19050">
+            <a:solidFill>
+              <a:schemeClr val="accent6">
+                <a:lumMod val="50000"/>
+              </a:schemeClr>
+            </a:solidFill>
+          </a:ln>
+        </p:spPr>
+        <p:style>
+          <a:lnRef idx="2">
+            <a:schemeClr val="accent1">
+              <a:shade val="15000"/>
+            </a:schemeClr>
+          </a:lnRef>
+          <a:fillRef idx="1">
+            <a:schemeClr val="accent1"/>
+          </a:fillRef>
+          <a:effectRef idx="0">
+            <a:schemeClr val="accent1"/>
+          </a:effectRef>
+          <a:fontRef idx="minor">
+            <a:schemeClr val="lt1"/>
+          </a:fontRef>
+        </p:style>
+        <p:txBody>
+          <a:bodyPr rtlCol="0" anchor="ctr"/>
+          <a:lstStyle/>
+          <a:p>
+            <a:r>
+              <a:rPr lang="en-US" sz="2100" dirty="0">
+                <a:solidFill>
+                  <a:schemeClr val="tx1"/>
+                </a:solidFill>
+              </a:rPr>
+              <a:t>[3,3,3,4,2,2] saves </a:t>
+            </a:r>
+            <a:r>
+              <a:rPr lang="en-US" sz="2300" b="1" u="sng" dirty="0">
+                <a:solidFill>
+                  <a:schemeClr val="tx1"/>
+                </a:solidFill>
+              </a:rPr>
+              <a:t>34%</a:t>
+            </a:r>
+            <a:r>
+              <a:rPr lang="en-US" sz="2100" dirty="0">
+                <a:solidFill>
+                  <a:schemeClr val="tx1"/>
+                </a:solidFill>
+              </a:rPr>
+              <a:t> cost than the singular dot [-1,10,-1,0,4,0], while reaching same accuracy 76%.</a:t>
+            </a:r>
+          </a:p>
+        </p:txBody>
+      </p:sp>
+      <p:cxnSp>
+        <p:nvCxnSpPr>
+          <p:cNvPr id="6" name="直接箭头连接符 5">
+            <a:extLst>
+              <a:ext uri="{FF2B5EF4-FFF2-40B4-BE49-F238E27FC236}">
+                <a16:creationId xmlns:a16="http://schemas.microsoft.com/office/drawing/2014/main" id="{D03BA141-6033-8405-A108-8B0EE328FB83}"/>
+              </a:ext>
+            </a:extLst>
+          </p:cNvPr>
+          <p:cNvCxnSpPr>
+            <a:cxnSpLocks/>
+          </p:cNvCxnSpPr>
+          <p:nvPr/>
+        </p:nvCxnSpPr>
+        <p:spPr>
+          <a:xfrm flipH="1" flipV="1">
+            <a:off x="2412642" y="4241442"/>
+            <a:ext cx="1135488" cy="884350"/>
+          </a:xfrm>
+          <a:prstGeom prst="straightConnector1">
+            <a:avLst/>
+          </a:prstGeom>
+          <a:ln w="38100">
+            <a:solidFill>
+              <a:schemeClr val="accent6">
+                <a:lumMod val="50000"/>
+              </a:schemeClr>
+            </a:solidFill>
+            <a:tailEnd type="triangle"/>
+          </a:ln>
+        </p:spPr>
+        <p:style>
+          <a:lnRef idx="1">
+            <a:schemeClr val="accent1"/>
+          </a:lnRef>
+          <a:fillRef idx="0">
+            <a:schemeClr val="accent1"/>
+          </a:fillRef>
+          <a:effectRef idx="0">
+            <a:schemeClr val="accent1"/>
+          </a:effectRef>
+          <a:fontRef idx="minor">
+            <a:schemeClr val="tx1"/>
+          </a:fontRef>
+        </p:style>
+      </p:cxnSp>
+      <p:cxnSp>
+        <p:nvCxnSpPr>
+          <p:cNvPr id="10" name="直接箭头连接符 9">
+            <a:extLst>
+              <a:ext uri="{FF2B5EF4-FFF2-40B4-BE49-F238E27FC236}">
+                <a16:creationId xmlns:a16="http://schemas.microsoft.com/office/drawing/2014/main" id="{64917ABE-1EAB-A7AD-1039-6E8D31C0CB7F}"/>
+              </a:ext>
+            </a:extLst>
+          </p:cNvPr>
+          <p:cNvCxnSpPr>
+            <a:cxnSpLocks/>
+          </p:cNvCxnSpPr>
+          <p:nvPr/>
+        </p:nvCxnSpPr>
+        <p:spPr>
+          <a:xfrm flipH="1" flipV="1">
+            <a:off x="2511380" y="5436100"/>
+            <a:ext cx="972355" cy="249923"/>
+          </a:xfrm>
+          <a:prstGeom prst="straightConnector1">
+            <a:avLst/>
+          </a:prstGeom>
+          <a:ln w="38100">
+            <a:solidFill>
+              <a:srgbClr val="7030A0"/>
+            </a:solidFill>
+            <a:tailEnd type="triangle"/>
+          </a:ln>
+        </p:spPr>
+        <p:style>
+          <a:lnRef idx="1">
+            <a:schemeClr val="accent1"/>
+          </a:lnRef>
+          <a:fillRef idx="0">
+            <a:schemeClr val="accent1"/>
+          </a:fillRef>
+          <a:effectRef idx="0">
+            <a:schemeClr val="accent1"/>
+          </a:effectRef>
+          <a:fontRef idx="minor">
+            <a:schemeClr val="tx1"/>
+          </a:fontRef>
+        </p:style>
+      </p:cxnSp>
+      <p:sp>
+        <p:nvSpPr>
+          <p:cNvPr id="16" name="矩形: 圆角 15">
+            <a:extLst>
+              <a:ext uri="{FF2B5EF4-FFF2-40B4-BE49-F238E27FC236}">
+                <a16:creationId xmlns:a16="http://schemas.microsoft.com/office/drawing/2014/main" id="{83701A0B-068E-FCB1-F7EA-18BFEF652BC0}"/>
+              </a:ext>
+            </a:extLst>
+          </p:cNvPr>
+          <p:cNvSpPr/>
+          <p:nvPr/>
+        </p:nvSpPr>
+        <p:spPr>
+          <a:xfrm>
+            <a:off x="3269096" y="4486813"/>
+            <a:ext cx="3421479" cy="1418150"/>
+          </a:xfrm>
+          <a:prstGeom prst="roundRect">
+            <a:avLst>
+              <a:gd name="adj" fmla="val 8130"/>
+            </a:avLst>
+          </a:prstGeom>
+          <a:solidFill>
+            <a:schemeClr val="accent6">
+              <a:lumMod val="20000"/>
+              <a:lumOff val="80000"/>
+            </a:schemeClr>
+          </a:solidFill>
+          <a:ln w="19050">
+            <a:solidFill>
+              <a:schemeClr val="accent6">
+                <a:lumMod val="50000"/>
+              </a:schemeClr>
+            </a:solidFill>
+          </a:ln>
+        </p:spPr>
+        <p:style>
+          <a:lnRef idx="2">
+            <a:schemeClr val="accent1">
+              <a:shade val="15000"/>
+            </a:schemeClr>
+          </a:lnRef>
+          <a:fillRef idx="1">
+            <a:schemeClr val="accent1"/>
+          </a:fillRef>
+          <a:effectRef idx="0">
+            <a:schemeClr val="accent1"/>
+          </a:effectRef>
+          <a:fontRef idx="minor">
+            <a:schemeClr val="lt1"/>
+          </a:fontRef>
+        </p:style>
+        <p:txBody>
+          <a:bodyPr rtlCol="0" anchor="ctr"/>
+          <a:lstStyle/>
+          <a:p>
+            <a:r>
+              <a:rPr lang="en-US" sz="2100" dirty="0">
+                <a:solidFill>
+                  <a:schemeClr val="tx1"/>
+                </a:solidFill>
+              </a:rPr>
+              <a:t>[1,0,-1,4,0,0] is </a:t>
+            </a:r>
+            <a:r>
+              <a:rPr lang="en-US" sz="2400" b="1" u="sng" dirty="0">
+                <a:solidFill>
+                  <a:schemeClr val="tx1"/>
+                </a:solidFill>
+              </a:rPr>
+              <a:t>2-3%</a:t>
+            </a:r>
+            <a:r>
+              <a:rPr lang="en-US" sz="2400" b="1" dirty="0">
+                <a:solidFill>
+                  <a:schemeClr val="tx1"/>
+                </a:solidFill>
+              </a:rPr>
+              <a:t> </a:t>
+            </a:r>
+            <a:r>
+              <a:rPr lang="en-US" altLang="zh-CN" sz="2100" dirty="0">
+                <a:solidFill>
+                  <a:schemeClr val="tx1"/>
+                </a:solidFill>
+              </a:rPr>
+              <a:t>more accurate than singular combinations at similar costs in lower-budget.</a:t>
+            </a:r>
+            <a:endParaRPr lang="en-US" sz="2100" dirty="0">
+              <a:solidFill>
+                <a:schemeClr val="tx1"/>
+              </a:solidFill>
+            </a:endParaRPr>
+          </a:p>
+        </p:txBody>
+      </p:sp>
+      <p:cxnSp>
+        <p:nvCxnSpPr>
+          <p:cNvPr id="18" name="直接箭头连接符 17">
+            <a:extLst>
+              <a:ext uri="{FF2B5EF4-FFF2-40B4-BE49-F238E27FC236}">
+                <a16:creationId xmlns:a16="http://schemas.microsoft.com/office/drawing/2014/main" id="{4F9512FB-C78A-3A1F-E754-89193C24B678}"/>
+              </a:ext>
+            </a:extLst>
+          </p:cNvPr>
+          <p:cNvCxnSpPr>
+            <a:cxnSpLocks/>
+          </p:cNvCxnSpPr>
+          <p:nvPr/>
+        </p:nvCxnSpPr>
+        <p:spPr>
+          <a:xfrm flipH="1" flipV="1">
+            <a:off x="3715555" y="2421228"/>
+            <a:ext cx="1461752" cy="1229933"/>
+          </a:xfrm>
+          <a:prstGeom prst="straightConnector1">
+            <a:avLst/>
+          </a:prstGeom>
+          <a:ln w="38100">
+            <a:solidFill>
+              <a:schemeClr val="accent6">
+                <a:lumMod val="50000"/>
+              </a:schemeClr>
+            </a:solidFill>
+            <a:tailEnd type="triangle"/>
+          </a:ln>
+        </p:spPr>
+        <p:style>
+          <a:lnRef idx="1">
+            <a:schemeClr val="accent1"/>
+          </a:lnRef>
+          <a:fillRef idx="0">
+            <a:schemeClr val="accent1"/>
+          </a:fillRef>
+          <a:effectRef idx="0">
+            <a:schemeClr val="accent1"/>
+          </a:effectRef>
+          <a:fontRef idx="minor">
+            <a:schemeClr val="tx1"/>
+          </a:fontRef>
+        </p:style>
+      </p:cxnSp>
+      <p:sp>
+        <p:nvSpPr>
+          <p:cNvPr id="20" name="矩形: 圆角 19">
+            <a:extLst>
+              <a:ext uri="{FF2B5EF4-FFF2-40B4-BE49-F238E27FC236}">
+                <a16:creationId xmlns:a16="http://schemas.microsoft.com/office/drawing/2014/main" id="{28CFA406-1B41-CDB2-734D-D175F72D46B8}"/>
+              </a:ext>
+            </a:extLst>
+          </p:cNvPr>
+          <p:cNvSpPr/>
+          <p:nvPr/>
+        </p:nvSpPr>
+        <p:spPr>
+          <a:xfrm>
+            <a:off x="4819918" y="3230049"/>
+            <a:ext cx="4394918" cy="1084374"/>
+          </a:xfrm>
+          <a:prstGeom prst="roundRect">
+            <a:avLst>
+              <a:gd name="adj" fmla="val 8130"/>
+            </a:avLst>
+          </a:prstGeom>
+          <a:solidFill>
+            <a:schemeClr val="accent6">
+              <a:lumMod val="20000"/>
+              <a:lumOff val="80000"/>
+            </a:schemeClr>
+          </a:solidFill>
+          <a:ln w="19050">
+            <a:solidFill>
+              <a:schemeClr val="accent6">
+                <a:lumMod val="50000"/>
+              </a:schemeClr>
+            </a:solidFill>
+          </a:ln>
+        </p:spPr>
+        <p:style>
+          <a:lnRef idx="2">
+            <a:schemeClr val="accent1">
+              <a:shade val="15000"/>
+            </a:schemeClr>
+          </a:lnRef>
+          <a:fillRef idx="1">
+            <a:schemeClr val="accent1"/>
+          </a:fillRef>
+          <a:effectRef idx="0">
+            <a:schemeClr val="accent1"/>
+          </a:effectRef>
+          <a:fontRef idx="minor">
+            <a:schemeClr val="lt1"/>
+          </a:fontRef>
+        </p:style>
+        <p:txBody>
+          <a:bodyPr rtlCol="0" anchor="ctr"/>
+          <a:lstStyle/>
+          <a:p>
+            <a:r>
+              <a:rPr lang="en-US" sz="2100" dirty="0">
+                <a:solidFill>
+                  <a:schemeClr val="tx1"/>
+                </a:solidFill>
+              </a:rPr>
+              <a:t>Cascading combinations are constantly more optimal than singular combinations in middle-budget.</a:t>
+            </a:r>
+          </a:p>
+        </p:txBody>
+      </p:sp>
     </p:spTree>
     <p:extLst>
       <p:ext uri="{BB962C8B-B14F-4D97-AF65-F5344CB8AC3E}">
@@ -4443,6 +5381,305 @@
           </a:prstGeom>
         </p:spPr>
       </p:pic>
+      <p:cxnSp>
+        <p:nvCxnSpPr>
+          <p:cNvPr id="3" name="直接箭头连接符 2">
+            <a:extLst>
+              <a:ext uri="{FF2B5EF4-FFF2-40B4-BE49-F238E27FC236}">
+                <a16:creationId xmlns:a16="http://schemas.microsoft.com/office/drawing/2014/main" id="{0E88740A-B071-2BB0-BD98-747EFA0D544E}"/>
+              </a:ext>
+            </a:extLst>
+          </p:cNvPr>
+          <p:cNvCxnSpPr>
+            <a:cxnSpLocks/>
+          </p:cNvCxnSpPr>
+          <p:nvPr/>
+        </p:nvCxnSpPr>
+        <p:spPr>
+          <a:xfrm flipH="1" flipV="1">
+            <a:off x="2612265" y="2541545"/>
+            <a:ext cx="1933977" cy="1874435"/>
+          </a:xfrm>
+          <a:prstGeom prst="straightConnector1">
+            <a:avLst/>
+          </a:prstGeom>
+          <a:ln w="38100">
+            <a:solidFill>
+              <a:schemeClr val="accent6">
+                <a:lumMod val="50000"/>
+              </a:schemeClr>
+            </a:solidFill>
+            <a:tailEnd type="triangle"/>
+          </a:ln>
+        </p:spPr>
+        <p:style>
+          <a:lnRef idx="1">
+            <a:schemeClr val="accent1"/>
+          </a:lnRef>
+          <a:fillRef idx="0">
+            <a:schemeClr val="accent1"/>
+          </a:fillRef>
+          <a:effectRef idx="0">
+            <a:schemeClr val="accent1"/>
+          </a:effectRef>
+          <a:fontRef idx="minor">
+            <a:schemeClr val="tx1"/>
+          </a:fontRef>
+        </p:style>
+      </p:cxnSp>
+      <p:cxnSp>
+        <p:nvCxnSpPr>
+          <p:cNvPr id="4" name="直接箭头连接符 3">
+            <a:extLst>
+              <a:ext uri="{FF2B5EF4-FFF2-40B4-BE49-F238E27FC236}">
+                <a16:creationId xmlns:a16="http://schemas.microsoft.com/office/drawing/2014/main" id="{EB0A8D09-9F9D-6AF9-0C80-C5947291C622}"/>
+              </a:ext>
+            </a:extLst>
+          </p:cNvPr>
+          <p:cNvCxnSpPr>
+            <a:cxnSpLocks/>
+          </p:cNvCxnSpPr>
+          <p:nvPr/>
+        </p:nvCxnSpPr>
+        <p:spPr>
+          <a:xfrm flipH="1" flipV="1">
+            <a:off x="2612265" y="4101921"/>
+            <a:ext cx="736242" cy="721217"/>
+          </a:xfrm>
+          <a:prstGeom prst="straightConnector1">
+            <a:avLst/>
+          </a:prstGeom>
+          <a:ln w="38100">
+            <a:solidFill>
+              <a:srgbClr val="7030A0"/>
+            </a:solidFill>
+            <a:tailEnd type="triangle"/>
+          </a:ln>
+        </p:spPr>
+        <p:style>
+          <a:lnRef idx="1">
+            <a:schemeClr val="accent1"/>
+          </a:lnRef>
+          <a:fillRef idx="0">
+            <a:schemeClr val="accent1"/>
+          </a:fillRef>
+          <a:effectRef idx="0">
+            <a:schemeClr val="accent1"/>
+          </a:effectRef>
+          <a:fontRef idx="minor">
+            <a:schemeClr val="tx1"/>
+          </a:fontRef>
+        </p:style>
+      </p:cxnSp>
+      <p:sp>
+        <p:nvSpPr>
+          <p:cNvPr id="8" name="矩形: 圆角 7">
+            <a:extLst>
+              <a:ext uri="{FF2B5EF4-FFF2-40B4-BE49-F238E27FC236}">
+                <a16:creationId xmlns:a16="http://schemas.microsoft.com/office/drawing/2014/main" id="{139092EF-BC7F-91E4-B096-6F4817535D8E}"/>
+              </a:ext>
+            </a:extLst>
+          </p:cNvPr>
+          <p:cNvSpPr/>
+          <p:nvPr/>
+        </p:nvSpPr>
+        <p:spPr>
+          <a:xfrm>
+            <a:off x="3281975" y="4415980"/>
+            <a:ext cx="3421479" cy="1418150"/>
+          </a:xfrm>
+          <a:prstGeom prst="roundRect">
+            <a:avLst>
+              <a:gd name="adj" fmla="val 8130"/>
+            </a:avLst>
+          </a:prstGeom>
+          <a:solidFill>
+            <a:schemeClr val="accent6">
+              <a:lumMod val="20000"/>
+              <a:lumOff val="80000"/>
+            </a:schemeClr>
+          </a:solidFill>
+          <a:ln w="19050">
+            <a:solidFill>
+              <a:schemeClr val="accent6">
+                <a:lumMod val="50000"/>
+              </a:schemeClr>
+            </a:solidFill>
+          </a:ln>
+        </p:spPr>
+        <p:style>
+          <a:lnRef idx="2">
+            <a:schemeClr val="accent1">
+              <a:shade val="15000"/>
+            </a:schemeClr>
+          </a:lnRef>
+          <a:fillRef idx="1">
+            <a:schemeClr val="accent1"/>
+          </a:fillRef>
+          <a:effectRef idx="0">
+            <a:schemeClr val="accent1"/>
+          </a:effectRef>
+          <a:fontRef idx="minor">
+            <a:schemeClr val="lt1"/>
+          </a:fontRef>
+        </p:style>
+        <p:txBody>
+          <a:bodyPr rtlCol="0" anchor="ctr"/>
+          <a:lstStyle/>
+          <a:p>
+            <a:r>
+              <a:rPr lang="en-US" sz="2100" dirty="0">
+                <a:solidFill>
+                  <a:schemeClr val="tx1"/>
+                </a:solidFill>
+              </a:rPr>
+              <a:t>[1,0,-1,4,0,0] is </a:t>
+            </a:r>
+            <a:r>
+              <a:rPr lang="en-US" sz="2400" b="1" u="sng" dirty="0">
+                <a:solidFill>
+                  <a:schemeClr val="tx1"/>
+                </a:solidFill>
+              </a:rPr>
+              <a:t>2-3%</a:t>
+            </a:r>
+            <a:r>
+              <a:rPr lang="en-US" sz="2400" b="1" dirty="0">
+                <a:solidFill>
+                  <a:schemeClr val="tx1"/>
+                </a:solidFill>
+              </a:rPr>
+              <a:t> </a:t>
+            </a:r>
+            <a:r>
+              <a:rPr lang="en-US" altLang="zh-CN" sz="2100" dirty="0">
+                <a:solidFill>
+                  <a:schemeClr val="tx1"/>
+                </a:solidFill>
+              </a:rPr>
+              <a:t>more accurate than singular combinations at similar costs in lower-budget.</a:t>
+            </a:r>
+            <a:endParaRPr lang="en-US" sz="2100" dirty="0">
+              <a:solidFill>
+                <a:schemeClr val="tx1"/>
+              </a:solidFill>
+            </a:endParaRPr>
+          </a:p>
+        </p:txBody>
+      </p:sp>
+      <p:cxnSp>
+        <p:nvCxnSpPr>
+          <p:cNvPr id="12" name="直接箭头连接符 11">
+            <a:extLst>
+              <a:ext uri="{FF2B5EF4-FFF2-40B4-BE49-F238E27FC236}">
+                <a16:creationId xmlns:a16="http://schemas.microsoft.com/office/drawing/2014/main" id="{D1EC8AE9-A108-F372-0D78-4FF0B638DEDD}"/>
+              </a:ext>
+            </a:extLst>
+          </p:cNvPr>
+          <p:cNvCxnSpPr>
+            <a:cxnSpLocks/>
+          </p:cNvCxnSpPr>
+          <p:nvPr/>
+        </p:nvCxnSpPr>
+        <p:spPr>
+          <a:xfrm flipH="1" flipV="1">
+            <a:off x="5594446" y="1360981"/>
+            <a:ext cx="1933977" cy="1874435"/>
+          </a:xfrm>
+          <a:prstGeom prst="straightConnector1">
+            <a:avLst/>
+          </a:prstGeom>
+          <a:ln w="38100">
+            <a:solidFill>
+              <a:schemeClr val="accent6">
+                <a:lumMod val="50000"/>
+              </a:schemeClr>
+            </a:solidFill>
+            <a:tailEnd type="triangle"/>
+          </a:ln>
+        </p:spPr>
+        <p:style>
+          <a:lnRef idx="1">
+            <a:schemeClr val="accent1"/>
+          </a:lnRef>
+          <a:fillRef idx="0">
+            <a:schemeClr val="accent1"/>
+          </a:fillRef>
+          <a:effectRef idx="0">
+            <a:schemeClr val="accent1"/>
+          </a:effectRef>
+          <a:fontRef idx="minor">
+            <a:schemeClr val="tx1"/>
+          </a:fontRef>
+        </p:style>
+      </p:cxnSp>
+      <p:sp>
+        <p:nvSpPr>
+          <p:cNvPr id="13" name="矩形: 圆角 12">
+            <a:extLst>
+              <a:ext uri="{FF2B5EF4-FFF2-40B4-BE49-F238E27FC236}">
+                <a16:creationId xmlns:a16="http://schemas.microsoft.com/office/drawing/2014/main" id="{5F86AE74-2756-287C-6181-7D865CE1A961}"/>
+              </a:ext>
+            </a:extLst>
+          </p:cNvPr>
+          <p:cNvSpPr/>
+          <p:nvPr/>
+        </p:nvSpPr>
+        <p:spPr>
+          <a:xfrm>
+            <a:off x="7193568" y="2769687"/>
+            <a:ext cx="3421479" cy="1081096"/>
+          </a:xfrm>
+          <a:prstGeom prst="roundRect">
+            <a:avLst>
+              <a:gd name="adj" fmla="val 8130"/>
+            </a:avLst>
+          </a:prstGeom>
+          <a:solidFill>
+            <a:schemeClr val="accent6">
+              <a:lumMod val="20000"/>
+              <a:lumOff val="80000"/>
+            </a:schemeClr>
+          </a:solidFill>
+          <a:ln w="19050">
+            <a:solidFill>
+              <a:schemeClr val="accent6">
+                <a:lumMod val="50000"/>
+              </a:schemeClr>
+            </a:solidFill>
+          </a:ln>
+        </p:spPr>
+        <p:style>
+          <a:lnRef idx="2">
+            <a:schemeClr val="accent1">
+              <a:shade val="15000"/>
+            </a:schemeClr>
+          </a:lnRef>
+          <a:fillRef idx="1">
+            <a:schemeClr val="accent1"/>
+          </a:fillRef>
+          <a:effectRef idx="0">
+            <a:schemeClr val="accent1"/>
+          </a:effectRef>
+          <a:fontRef idx="minor">
+            <a:schemeClr val="lt1"/>
+          </a:fontRef>
+        </p:style>
+        <p:txBody>
+          <a:bodyPr rtlCol="0" anchor="ctr"/>
+          <a:lstStyle/>
+          <a:p>
+            <a:r>
+              <a:rPr lang="en-US" sz="2100" dirty="0">
+                <a:solidFill>
+                  <a:schemeClr val="tx1"/>
+                </a:solidFill>
+              </a:rPr>
+              <a:t>Cascading scheme finds the same optimal combinations as singular ones.</a:t>
+            </a:r>
+          </a:p>
+        </p:txBody>
+      </p:sp>
     </p:spTree>
     <p:extLst>
       <p:ext uri="{BB962C8B-B14F-4D97-AF65-F5344CB8AC3E}">
@@ -4509,6 +5746,324 @@
           </a:prstGeom>
         </p:spPr>
       </p:pic>
+      <p:cxnSp>
+        <p:nvCxnSpPr>
+          <p:cNvPr id="3" name="直接箭头连接符 2">
+            <a:extLst>
+              <a:ext uri="{FF2B5EF4-FFF2-40B4-BE49-F238E27FC236}">
+                <a16:creationId xmlns:a16="http://schemas.microsoft.com/office/drawing/2014/main" id="{B793625B-9BD0-5021-A2C5-7F6687DD2398}"/>
+              </a:ext>
+            </a:extLst>
+          </p:cNvPr>
+          <p:cNvCxnSpPr>
+            <a:cxnSpLocks/>
+          </p:cNvCxnSpPr>
+          <p:nvPr/>
+        </p:nvCxnSpPr>
+        <p:spPr>
+          <a:xfrm flipH="1" flipV="1">
+            <a:off x="2897746" y="1609859"/>
+            <a:ext cx="1617021" cy="2705293"/>
+          </a:xfrm>
+          <a:prstGeom prst="straightConnector1">
+            <a:avLst/>
+          </a:prstGeom>
+          <a:ln w="38100">
+            <a:solidFill>
+              <a:schemeClr val="accent6">
+                <a:lumMod val="50000"/>
+              </a:schemeClr>
+            </a:solidFill>
+            <a:tailEnd type="triangle"/>
+          </a:ln>
+        </p:spPr>
+        <p:style>
+          <a:lnRef idx="1">
+            <a:schemeClr val="accent1"/>
+          </a:lnRef>
+          <a:fillRef idx="0">
+            <a:schemeClr val="accent1"/>
+          </a:fillRef>
+          <a:effectRef idx="0">
+            <a:schemeClr val="accent1"/>
+          </a:effectRef>
+          <a:fontRef idx="minor">
+            <a:schemeClr val="tx1"/>
+          </a:fontRef>
+        </p:style>
+      </p:cxnSp>
+      <p:cxnSp>
+        <p:nvCxnSpPr>
+          <p:cNvPr id="6" name="直接箭头连接符 5">
+            <a:extLst>
+              <a:ext uri="{FF2B5EF4-FFF2-40B4-BE49-F238E27FC236}">
+                <a16:creationId xmlns:a16="http://schemas.microsoft.com/office/drawing/2014/main" id="{B793625B-9BD0-5021-A2C5-7F6687DD2398}"/>
+              </a:ext>
+            </a:extLst>
+          </p:cNvPr>
+          <p:cNvCxnSpPr>
+            <a:cxnSpLocks/>
+          </p:cNvCxnSpPr>
+          <p:nvPr/>
+        </p:nvCxnSpPr>
+        <p:spPr>
+          <a:xfrm flipH="1" flipV="1">
+            <a:off x="2665927" y="4001561"/>
+            <a:ext cx="708338" cy="1201504"/>
+          </a:xfrm>
+          <a:prstGeom prst="straightConnector1">
+            <a:avLst/>
+          </a:prstGeom>
+          <a:ln w="38100">
+            <a:solidFill>
+              <a:schemeClr val="accent6">
+                <a:lumMod val="50000"/>
+              </a:schemeClr>
+            </a:solidFill>
+            <a:tailEnd type="triangle"/>
+          </a:ln>
+        </p:spPr>
+        <p:style>
+          <a:lnRef idx="1">
+            <a:schemeClr val="accent1"/>
+          </a:lnRef>
+          <a:fillRef idx="0">
+            <a:schemeClr val="accent1"/>
+          </a:fillRef>
+          <a:effectRef idx="0">
+            <a:schemeClr val="accent1"/>
+          </a:effectRef>
+          <a:fontRef idx="minor">
+            <a:schemeClr val="tx1"/>
+          </a:fontRef>
+        </p:style>
+      </p:cxnSp>
+      <p:sp>
+        <p:nvSpPr>
+          <p:cNvPr id="10" name="矩形: 圆角 9">
+            <a:extLst>
+              <a:ext uri="{FF2B5EF4-FFF2-40B4-BE49-F238E27FC236}">
+                <a16:creationId xmlns:a16="http://schemas.microsoft.com/office/drawing/2014/main" id="{EE6CB350-FAC2-878E-3686-0C916F66DC1D}"/>
+              </a:ext>
+            </a:extLst>
+          </p:cNvPr>
+          <p:cNvSpPr/>
+          <p:nvPr/>
+        </p:nvSpPr>
+        <p:spPr>
+          <a:xfrm>
+            <a:off x="3246193" y="4315152"/>
+            <a:ext cx="3421479" cy="1081096"/>
+          </a:xfrm>
+          <a:prstGeom prst="roundRect">
+            <a:avLst>
+              <a:gd name="adj" fmla="val 8130"/>
+            </a:avLst>
+          </a:prstGeom>
+          <a:solidFill>
+            <a:schemeClr val="accent6">
+              <a:lumMod val="20000"/>
+              <a:lumOff val="80000"/>
+            </a:schemeClr>
+          </a:solidFill>
+          <a:ln w="19050">
+            <a:solidFill>
+              <a:schemeClr val="accent6">
+                <a:lumMod val="50000"/>
+              </a:schemeClr>
+            </a:solidFill>
+          </a:ln>
+        </p:spPr>
+        <p:style>
+          <a:lnRef idx="2">
+            <a:schemeClr val="accent1">
+              <a:shade val="15000"/>
+            </a:schemeClr>
+          </a:lnRef>
+          <a:fillRef idx="1">
+            <a:schemeClr val="accent1"/>
+          </a:fillRef>
+          <a:effectRef idx="0">
+            <a:schemeClr val="accent1"/>
+          </a:effectRef>
+          <a:fontRef idx="minor">
+            <a:schemeClr val="lt1"/>
+          </a:fontRef>
+        </p:style>
+        <p:txBody>
+          <a:bodyPr rtlCol="0" anchor="ctr"/>
+          <a:lstStyle/>
+          <a:p>
+            <a:r>
+              <a:rPr lang="en-US" sz="2100" dirty="0">
+                <a:solidFill>
+                  <a:schemeClr val="tx1"/>
+                </a:solidFill>
+              </a:rPr>
+              <a:t>Cascading scheme finds the same optimal combinations as singular ones.</a:t>
+            </a:r>
+          </a:p>
+        </p:txBody>
+      </p:sp>
+      <p:cxnSp>
+        <p:nvCxnSpPr>
+          <p:cNvPr id="13" name="直接箭头连接符 12">
+            <a:extLst>
+              <a:ext uri="{FF2B5EF4-FFF2-40B4-BE49-F238E27FC236}">
+                <a16:creationId xmlns:a16="http://schemas.microsoft.com/office/drawing/2014/main" id="{F494BC3E-35EE-C923-331B-14517605C741}"/>
+              </a:ext>
+            </a:extLst>
+          </p:cNvPr>
+          <p:cNvCxnSpPr>
+            <a:cxnSpLocks/>
+          </p:cNvCxnSpPr>
+          <p:nvPr/>
+        </p:nvCxnSpPr>
+        <p:spPr>
+          <a:xfrm flipH="1" flipV="1">
+            <a:off x="4976033" y="1554385"/>
+            <a:ext cx="1933977" cy="1874435"/>
+          </a:xfrm>
+          <a:prstGeom prst="straightConnector1">
+            <a:avLst/>
+          </a:prstGeom>
+          <a:ln w="38100">
+            <a:solidFill>
+              <a:schemeClr val="accent6">
+                <a:lumMod val="50000"/>
+              </a:schemeClr>
+            </a:solidFill>
+            <a:tailEnd type="triangle"/>
+          </a:ln>
+        </p:spPr>
+        <p:style>
+          <a:lnRef idx="1">
+            <a:schemeClr val="accent1"/>
+          </a:lnRef>
+          <a:fillRef idx="0">
+            <a:schemeClr val="accent1"/>
+          </a:fillRef>
+          <a:effectRef idx="0">
+            <a:schemeClr val="accent1"/>
+          </a:effectRef>
+          <a:fontRef idx="minor">
+            <a:schemeClr val="tx1"/>
+          </a:fontRef>
+        </p:style>
+      </p:cxnSp>
+      <p:cxnSp>
+        <p:nvCxnSpPr>
+          <p:cNvPr id="14" name="直接箭头连接符 13">
+            <a:extLst>
+              <a:ext uri="{FF2B5EF4-FFF2-40B4-BE49-F238E27FC236}">
+                <a16:creationId xmlns:a16="http://schemas.microsoft.com/office/drawing/2014/main" id="{F50D40F7-EE28-1836-2DDA-79527021CC72}"/>
+              </a:ext>
+            </a:extLst>
+          </p:cNvPr>
+          <p:cNvCxnSpPr>
+            <a:cxnSpLocks/>
+          </p:cNvCxnSpPr>
+          <p:nvPr/>
+        </p:nvCxnSpPr>
+        <p:spPr>
+          <a:xfrm flipH="1" flipV="1">
+            <a:off x="7214810" y="1307539"/>
+            <a:ext cx="1933977" cy="1874435"/>
+          </a:xfrm>
+          <a:prstGeom prst="straightConnector1">
+            <a:avLst/>
+          </a:prstGeom>
+          <a:ln w="38100">
+            <a:solidFill>
+              <a:schemeClr val="accent6">
+                <a:lumMod val="50000"/>
+              </a:schemeClr>
+            </a:solidFill>
+            <a:tailEnd type="triangle"/>
+          </a:ln>
+        </p:spPr>
+        <p:style>
+          <a:lnRef idx="1">
+            <a:schemeClr val="accent1"/>
+          </a:lnRef>
+          <a:fillRef idx="0">
+            <a:schemeClr val="accent1"/>
+          </a:fillRef>
+          <a:effectRef idx="0">
+            <a:schemeClr val="accent1"/>
+          </a:effectRef>
+          <a:fontRef idx="minor">
+            <a:schemeClr val="tx1"/>
+          </a:fontRef>
+        </p:style>
+      </p:cxnSp>
+      <p:sp>
+        <p:nvSpPr>
+          <p:cNvPr id="15" name="矩形: 圆角 14">
+            <a:extLst>
+              <a:ext uri="{FF2B5EF4-FFF2-40B4-BE49-F238E27FC236}">
+                <a16:creationId xmlns:a16="http://schemas.microsoft.com/office/drawing/2014/main" id="{95DCC0A4-7C66-3D1F-88C8-6D3D57623E7B}"/>
+              </a:ext>
+            </a:extLst>
+          </p:cNvPr>
+          <p:cNvSpPr/>
+          <p:nvPr/>
+        </p:nvSpPr>
+        <p:spPr>
+          <a:xfrm>
+            <a:off x="6805055" y="3070193"/>
+            <a:ext cx="3974562" cy="1179835"/>
+          </a:xfrm>
+          <a:prstGeom prst="roundRect">
+            <a:avLst>
+              <a:gd name="adj" fmla="val 8130"/>
+            </a:avLst>
+          </a:prstGeom>
+          <a:solidFill>
+            <a:schemeClr val="accent6">
+              <a:lumMod val="20000"/>
+              <a:lumOff val="80000"/>
+            </a:schemeClr>
+          </a:solidFill>
+          <a:ln w="19050">
+            <a:solidFill>
+              <a:schemeClr val="accent6">
+                <a:lumMod val="50000"/>
+              </a:schemeClr>
+            </a:solidFill>
+          </a:ln>
+        </p:spPr>
+        <p:style>
+          <a:lnRef idx="2">
+            <a:schemeClr val="accent1">
+              <a:shade val="15000"/>
+            </a:schemeClr>
+          </a:lnRef>
+          <a:fillRef idx="1">
+            <a:schemeClr val="accent1"/>
+          </a:fillRef>
+          <a:effectRef idx="0">
+            <a:schemeClr val="accent1"/>
+          </a:effectRef>
+          <a:fontRef idx="minor">
+            <a:schemeClr val="lt1"/>
+          </a:fontRef>
+        </p:style>
+        <p:txBody>
+          <a:bodyPr rtlCol="0" anchor="ctr"/>
+          <a:lstStyle/>
+          <a:p>
+            <a:r>
+              <a:rPr lang="en-US" sz="2100" dirty="0">
+                <a:solidFill>
+                  <a:schemeClr val="tx1"/>
+                </a:solidFill>
+              </a:rPr>
+              <a:t>Cascading scheme finds lower cost combinations than singular ones in higher budget.</a:t>
+            </a:r>
+          </a:p>
+        </p:txBody>
+      </p:sp>
     </p:spTree>
     <p:extLst>
       <p:ext uri="{BB962C8B-B14F-4D97-AF65-F5344CB8AC3E}">
@@ -4575,6 +6130,402 @@
           </a:prstGeom>
         </p:spPr>
       </p:pic>
+      <p:cxnSp>
+        <p:nvCxnSpPr>
+          <p:cNvPr id="3" name="直接箭头连接符 2">
+            <a:extLst>
+              <a:ext uri="{FF2B5EF4-FFF2-40B4-BE49-F238E27FC236}">
+                <a16:creationId xmlns:a16="http://schemas.microsoft.com/office/drawing/2014/main" id="{4FA10FF7-9732-82B7-FADF-D79FAB21495E}"/>
+              </a:ext>
+            </a:extLst>
+          </p:cNvPr>
+          <p:cNvCxnSpPr>
+            <a:cxnSpLocks/>
+          </p:cNvCxnSpPr>
+          <p:nvPr/>
+        </p:nvCxnSpPr>
+        <p:spPr>
+          <a:xfrm flipH="1" flipV="1">
+            <a:off x="2749639" y="4011769"/>
+            <a:ext cx="1120462" cy="701899"/>
+          </a:xfrm>
+          <a:prstGeom prst="straightConnector1">
+            <a:avLst/>
+          </a:prstGeom>
+          <a:ln w="38100">
+            <a:solidFill>
+              <a:schemeClr val="accent4">
+                <a:lumMod val="60000"/>
+                <a:lumOff val="40000"/>
+              </a:schemeClr>
+            </a:solidFill>
+            <a:tailEnd type="triangle"/>
+          </a:ln>
+        </p:spPr>
+        <p:style>
+          <a:lnRef idx="1">
+            <a:schemeClr val="accent1"/>
+          </a:lnRef>
+          <a:fillRef idx="0">
+            <a:schemeClr val="accent1"/>
+          </a:fillRef>
+          <a:effectRef idx="0">
+            <a:schemeClr val="accent1"/>
+          </a:effectRef>
+          <a:fontRef idx="minor">
+            <a:schemeClr val="tx1"/>
+          </a:fontRef>
+        </p:style>
+      </p:cxnSp>
+      <p:cxnSp>
+        <p:nvCxnSpPr>
+          <p:cNvPr id="11" name="直接箭头连接符 10">
+            <a:extLst>
+              <a:ext uri="{FF2B5EF4-FFF2-40B4-BE49-F238E27FC236}">
+                <a16:creationId xmlns:a16="http://schemas.microsoft.com/office/drawing/2014/main" id="{6268F82E-5EDC-60B0-D436-7B16111E98F7}"/>
+              </a:ext>
+            </a:extLst>
+          </p:cNvPr>
+          <p:cNvCxnSpPr>
+            <a:cxnSpLocks/>
+          </p:cNvCxnSpPr>
+          <p:nvPr/>
+        </p:nvCxnSpPr>
+        <p:spPr>
+          <a:xfrm flipH="1" flipV="1">
+            <a:off x="2498501" y="4146997"/>
+            <a:ext cx="1455313" cy="933718"/>
+          </a:xfrm>
+          <a:prstGeom prst="straightConnector1">
+            <a:avLst/>
+          </a:prstGeom>
+          <a:ln w="38100">
+            <a:solidFill>
+              <a:schemeClr val="accent6">
+                <a:lumMod val="50000"/>
+              </a:schemeClr>
+            </a:solidFill>
+            <a:tailEnd type="triangle"/>
+          </a:ln>
+        </p:spPr>
+        <p:style>
+          <a:lnRef idx="1">
+            <a:schemeClr val="accent1"/>
+          </a:lnRef>
+          <a:fillRef idx="0">
+            <a:schemeClr val="accent1"/>
+          </a:fillRef>
+          <a:effectRef idx="0">
+            <a:schemeClr val="accent1"/>
+          </a:effectRef>
+          <a:fontRef idx="minor">
+            <a:schemeClr val="tx1"/>
+          </a:fontRef>
+        </p:style>
+      </p:cxnSp>
+      <p:cxnSp>
+        <p:nvCxnSpPr>
+          <p:cNvPr id="19" name="直接箭头连接符 18">
+            <a:extLst>
+              <a:ext uri="{FF2B5EF4-FFF2-40B4-BE49-F238E27FC236}">
+                <a16:creationId xmlns:a16="http://schemas.microsoft.com/office/drawing/2014/main" id="{6CB169C8-A03F-ADF4-1B0A-B4E45E7EF27D}"/>
+              </a:ext>
+            </a:extLst>
+          </p:cNvPr>
+          <p:cNvCxnSpPr>
+            <a:cxnSpLocks/>
+          </p:cNvCxnSpPr>
+          <p:nvPr/>
+        </p:nvCxnSpPr>
+        <p:spPr>
+          <a:xfrm flipH="1" flipV="1">
+            <a:off x="2750712" y="3501444"/>
+            <a:ext cx="1660302" cy="1057677"/>
+          </a:xfrm>
+          <a:prstGeom prst="straightConnector1">
+            <a:avLst/>
+          </a:prstGeom>
+          <a:ln w="38100">
+            <a:solidFill>
+              <a:schemeClr val="accent6">
+                <a:lumMod val="50000"/>
+              </a:schemeClr>
+            </a:solidFill>
+            <a:tailEnd type="triangle"/>
+          </a:ln>
+        </p:spPr>
+        <p:style>
+          <a:lnRef idx="1">
+            <a:schemeClr val="accent1"/>
+          </a:lnRef>
+          <a:fillRef idx="0">
+            <a:schemeClr val="accent1"/>
+          </a:fillRef>
+          <a:effectRef idx="0">
+            <a:schemeClr val="accent1"/>
+          </a:effectRef>
+          <a:fontRef idx="minor">
+            <a:schemeClr val="tx1"/>
+          </a:fontRef>
+        </p:style>
+      </p:cxnSp>
+      <p:sp>
+        <p:nvSpPr>
+          <p:cNvPr id="22" name="矩形: 圆角 21">
+            <a:extLst>
+              <a:ext uri="{FF2B5EF4-FFF2-40B4-BE49-F238E27FC236}">
+                <a16:creationId xmlns:a16="http://schemas.microsoft.com/office/drawing/2014/main" id="{7AF6FC37-2654-3E28-5F39-BC7159122F40}"/>
+              </a:ext>
+            </a:extLst>
+          </p:cNvPr>
+          <p:cNvSpPr/>
+          <p:nvPr/>
+        </p:nvSpPr>
+        <p:spPr>
+          <a:xfrm>
+            <a:off x="3791532" y="4336960"/>
+            <a:ext cx="3737021" cy="1358721"/>
+          </a:xfrm>
+          <a:prstGeom prst="roundRect">
+            <a:avLst>
+              <a:gd name="adj" fmla="val 8130"/>
+            </a:avLst>
+          </a:prstGeom>
+          <a:solidFill>
+            <a:schemeClr val="accent4">
+              <a:lumMod val="20000"/>
+              <a:lumOff val="80000"/>
+            </a:schemeClr>
+          </a:solidFill>
+          <a:ln w="19050">
+            <a:solidFill>
+              <a:schemeClr val="accent4">
+                <a:lumMod val="60000"/>
+                <a:lumOff val="40000"/>
+              </a:schemeClr>
+            </a:solidFill>
+          </a:ln>
+        </p:spPr>
+        <p:style>
+          <a:lnRef idx="2">
+            <a:schemeClr val="accent1">
+              <a:shade val="15000"/>
+            </a:schemeClr>
+          </a:lnRef>
+          <a:fillRef idx="1">
+            <a:schemeClr val="accent1"/>
+          </a:fillRef>
+          <a:effectRef idx="0">
+            <a:schemeClr val="accent1"/>
+          </a:effectRef>
+          <a:fontRef idx="minor">
+            <a:schemeClr val="lt1"/>
+          </a:fontRef>
+        </p:style>
+        <p:txBody>
+          <a:bodyPr rtlCol="0" anchor="ctr"/>
+          <a:lstStyle/>
+          <a:p>
+            <a:r>
+              <a:rPr lang="en-US" sz="2100" dirty="0">
+                <a:solidFill>
+                  <a:schemeClr val="tx1"/>
+                </a:solidFill>
+              </a:rPr>
+              <a:t>SD result has a </a:t>
+            </a:r>
+            <a:r>
+              <a:rPr lang="en-US" sz="2100" i="1" u="sng" dirty="0">
+                <a:solidFill>
+                  <a:schemeClr val="tx1"/>
+                </a:solidFill>
+              </a:rPr>
+              <a:t>3.1%</a:t>
+            </a:r>
+            <a:r>
+              <a:rPr lang="en-US" sz="2100" dirty="0">
+                <a:solidFill>
+                  <a:schemeClr val="tx1"/>
+                </a:solidFill>
+              </a:rPr>
+              <a:t> cost reduction than greedy baseline, slower than [1,0,-1,2,0,0], less accurate than [1,-1,0,2,0,0]</a:t>
+            </a:r>
+          </a:p>
+        </p:txBody>
+      </p:sp>
+      <p:cxnSp>
+        <p:nvCxnSpPr>
+          <p:cNvPr id="28" name="直接箭头连接符 27">
+            <a:extLst>
+              <a:ext uri="{FF2B5EF4-FFF2-40B4-BE49-F238E27FC236}">
+                <a16:creationId xmlns:a16="http://schemas.microsoft.com/office/drawing/2014/main" id="{0976097F-FF49-A43A-443C-86837314D618}"/>
+              </a:ext>
+            </a:extLst>
+          </p:cNvPr>
+          <p:cNvCxnSpPr>
+            <a:cxnSpLocks/>
+          </p:cNvCxnSpPr>
+          <p:nvPr/>
+        </p:nvCxnSpPr>
+        <p:spPr>
+          <a:xfrm flipH="1" flipV="1">
+            <a:off x="7515675" y="1027426"/>
+            <a:ext cx="682582" cy="1037422"/>
+          </a:xfrm>
+          <a:prstGeom prst="straightConnector1">
+            <a:avLst/>
+          </a:prstGeom>
+          <a:ln w="38100">
+            <a:solidFill>
+              <a:srgbClr val="7030A0"/>
+            </a:solidFill>
+            <a:tailEnd type="triangle"/>
+          </a:ln>
+        </p:spPr>
+        <p:style>
+          <a:lnRef idx="1">
+            <a:schemeClr val="accent1"/>
+          </a:lnRef>
+          <a:fillRef idx="0">
+            <a:schemeClr val="accent1"/>
+          </a:fillRef>
+          <a:effectRef idx="0">
+            <a:schemeClr val="accent1"/>
+          </a:effectRef>
+          <a:fontRef idx="minor">
+            <a:schemeClr val="tx1"/>
+          </a:fontRef>
+        </p:style>
+      </p:cxnSp>
+      <p:cxnSp>
+        <p:nvCxnSpPr>
+          <p:cNvPr id="29" name="直接箭头连接符 28">
+            <a:extLst>
+              <a:ext uri="{FF2B5EF4-FFF2-40B4-BE49-F238E27FC236}">
+                <a16:creationId xmlns:a16="http://schemas.microsoft.com/office/drawing/2014/main" id="{50960707-5EC1-230E-906B-93173B650D64}"/>
+              </a:ext>
+            </a:extLst>
+          </p:cNvPr>
+          <p:cNvCxnSpPr>
+            <a:cxnSpLocks/>
+          </p:cNvCxnSpPr>
+          <p:nvPr/>
+        </p:nvCxnSpPr>
+        <p:spPr>
+          <a:xfrm flipH="1" flipV="1">
+            <a:off x="6883757" y="1011663"/>
+            <a:ext cx="727657" cy="1178417"/>
+          </a:xfrm>
+          <a:prstGeom prst="straightConnector1">
+            <a:avLst/>
+          </a:prstGeom>
+          <a:ln w="38100">
+            <a:solidFill>
+              <a:schemeClr val="accent6">
+                <a:lumMod val="50000"/>
+              </a:schemeClr>
+            </a:solidFill>
+            <a:tailEnd type="triangle"/>
+          </a:ln>
+        </p:spPr>
+        <p:style>
+          <a:lnRef idx="1">
+            <a:schemeClr val="accent1"/>
+          </a:lnRef>
+          <a:fillRef idx="0">
+            <a:schemeClr val="accent1"/>
+          </a:fillRef>
+          <a:effectRef idx="0">
+            <a:schemeClr val="accent1"/>
+          </a:effectRef>
+          <a:fontRef idx="minor">
+            <a:schemeClr val="tx1"/>
+          </a:fontRef>
+        </p:style>
+      </p:cxnSp>
+      <p:sp>
+        <p:nvSpPr>
+          <p:cNvPr id="30" name="矩形: 圆角 29">
+            <a:extLst>
+              <a:ext uri="{FF2B5EF4-FFF2-40B4-BE49-F238E27FC236}">
+                <a16:creationId xmlns:a16="http://schemas.microsoft.com/office/drawing/2014/main" id="{5A065BC3-FA23-4590-93C4-BEDD36A2A533}"/>
+              </a:ext>
+            </a:extLst>
+          </p:cNvPr>
+          <p:cNvSpPr/>
+          <p:nvPr/>
+        </p:nvSpPr>
+        <p:spPr>
+          <a:xfrm>
+            <a:off x="6767844" y="2054852"/>
+            <a:ext cx="4256467" cy="1178417"/>
+          </a:xfrm>
+          <a:prstGeom prst="roundRect">
+            <a:avLst>
+              <a:gd name="adj" fmla="val 8130"/>
+            </a:avLst>
+          </a:prstGeom>
+          <a:solidFill>
+            <a:schemeClr val="accent6">
+              <a:lumMod val="20000"/>
+              <a:lumOff val="80000"/>
+            </a:schemeClr>
+          </a:solidFill>
+          <a:ln w="19050">
+            <a:solidFill>
+              <a:schemeClr val="accent6">
+                <a:lumMod val="50000"/>
+              </a:schemeClr>
+            </a:solidFill>
+          </a:ln>
+        </p:spPr>
+        <p:style>
+          <a:lnRef idx="2">
+            <a:schemeClr val="accent1">
+              <a:shade val="15000"/>
+            </a:schemeClr>
+          </a:lnRef>
+          <a:fillRef idx="1">
+            <a:schemeClr val="accent1"/>
+          </a:fillRef>
+          <a:effectRef idx="0">
+            <a:schemeClr val="accent1"/>
+          </a:effectRef>
+          <a:fontRef idx="minor">
+            <a:schemeClr val="lt1"/>
+          </a:fontRef>
+        </p:style>
+        <p:txBody>
+          <a:bodyPr rtlCol="0" anchor="ctr"/>
+          <a:lstStyle/>
+          <a:p>
+            <a:r>
+              <a:rPr lang="en-US" sz="2100" dirty="0">
+                <a:solidFill>
+                  <a:schemeClr val="tx1"/>
+                </a:solidFill>
+              </a:rPr>
+              <a:t>[1,1,10,2,2,2] saves </a:t>
+            </a:r>
+            <a:r>
+              <a:rPr lang="en-US" sz="2400" b="1" u="sng" dirty="0">
+                <a:solidFill>
+                  <a:schemeClr val="tx1"/>
+                </a:solidFill>
+              </a:rPr>
+              <a:t>12%</a:t>
+            </a:r>
+            <a:r>
+              <a:rPr lang="en-US" sz="2100" dirty="0">
+                <a:solidFill>
+                  <a:schemeClr val="tx1"/>
+                </a:solidFill>
+              </a:rPr>
+              <a:t> cost than the singular dot [-1,-1,10,0,0,2], while reaching same accuracy 34.6%.</a:t>
+            </a:r>
+          </a:p>
+        </p:txBody>
+      </p:sp>
     </p:spTree>
     <p:extLst>
       <p:ext uri="{BB962C8B-B14F-4D97-AF65-F5344CB8AC3E}">
